--- a/LabBook_10.pptx
+++ b/LabBook_10.pptx
@@ -5092,7 +5092,7 @@
         <p:spPr>
           <a:xfrm>
             <a:off x="609441" y="4860334"/>
-            <a:ext cx="11199971" cy="1384995"/>
+            <a:ext cx="11199971" cy="1785104"/>
           </a:xfrm>
           <a:prstGeom prst="rect">
             <a:avLst/>
@@ -5116,7 +5116,7 @@
           <a:p>
             <a:pPr algn="just"/>
             <a:r>
-              <a:rPr lang="en-US" sz="1200" dirty="0">
+              <a:rPr lang="en-US" sz="1000" dirty="0">
                 <a:latin typeface="Arial" panose="020B0604020202020204" pitchFamily="34" charset="0"/>
                 <a:cs typeface="Arial" panose="020B0604020202020204" pitchFamily="34" charset="0"/>
               </a:rPr>
@@ -5125,41 +5125,925 @@
           </a:p>
           <a:p>
             <a:pPr algn="just"/>
-            <a:endParaRPr lang="en-US" sz="1200" dirty="0">
+            <a:endParaRPr lang="en-US" sz="1000" dirty="0">
               <a:latin typeface="Arial" panose="020B0604020202020204" pitchFamily="34" charset="0"/>
               <a:cs typeface="Arial" panose="020B0604020202020204" pitchFamily="34" charset="0"/>
             </a:endParaRPr>
           </a:p>
           <a:p>
             <a:pPr algn="just"/>
-            <a:endParaRPr lang="en-US" sz="1200" dirty="0">
+            <a:r>
+              <a:rPr lang="en-US" sz="1000" dirty="0">
+                <a:latin typeface="Arial" panose="020B0604020202020204" pitchFamily="34" charset="0"/>
+                <a:cs typeface="Arial" panose="020B0604020202020204" pitchFamily="34" charset="0"/>
+              </a:rPr>
+              <a:t>Para </a:t>
+            </a:r>
+            <a:r>
+              <a:rPr lang="en-US" sz="1000" dirty="0" err="1">
+                <a:latin typeface="Arial" panose="020B0604020202020204" pitchFamily="34" charset="0"/>
+                <a:cs typeface="Arial" panose="020B0604020202020204" pitchFamily="34" charset="0"/>
+              </a:rPr>
+              <a:t>buscar</a:t>
+            </a:r>
+            <a:r>
+              <a:rPr lang="en-US" sz="1000" dirty="0">
+                <a:latin typeface="Arial" panose="020B0604020202020204" pitchFamily="34" charset="0"/>
+                <a:cs typeface="Arial" panose="020B0604020202020204" pitchFamily="34" charset="0"/>
+              </a:rPr>
+              <a:t> la </a:t>
+            </a:r>
+            <a:r>
+              <a:rPr lang="en-US" sz="1000" dirty="0" err="1">
+                <a:latin typeface="Arial" panose="020B0604020202020204" pitchFamily="34" charset="0"/>
+                <a:cs typeface="Arial" panose="020B0604020202020204" pitchFamily="34" charset="0"/>
+              </a:rPr>
+              <a:t>configuración</a:t>
+            </a:r>
+            <a:r>
+              <a:rPr lang="en-US" sz="1000" dirty="0">
+                <a:latin typeface="Arial" panose="020B0604020202020204" pitchFamily="34" charset="0"/>
+                <a:cs typeface="Arial" panose="020B0604020202020204" pitchFamily="34" charset="0"/>
+              </a:rPr>
+              <a:t> </a:t>
+            </a:r>
+            <a:r>
+              <a:rPr lang="en-US" sz="1000" dirty="0" err="1">
+                <a:latin typeface="Arial" panose="020B0604020202020204" pitchFamily="34" charset="0"/>
+                <a:cs typeface="Arial" panose="020B0604020202020204" pitchFamily="34" charset="0"/>
+              </a:rPr>
+              <a:t>óptima</a:t>
+            </a:r>
+            <a:r>
+              <a:rPr lang="en-US" sz="1000" dirty="0">
+                <a:latin typeface="Arial" panose="020B0604020202020204" pitchFamily="34" charset="0"/>
+                <a:cs typeface="Arial" panose="020B0604020202020204" pitchFamily="34" charset="0"/>
+              </a:rPr>
+              <a:t> </a:t>
+            </a:r>
+            <a:r>
+              <a:rPr lang="en-US" sz="1000" dirty="0" err="1">
+                <a:latin typeface="Arial" panose="020B0604020202020204" pitchFamily="34" charset="0"/>
+                <a:cs typeface="Arial" panose="020B0604020202020204" pitchFamily="34" charset="0"/>
+              </a:rPr>
+              <a:t>nos</a:t>
+            </a:r>
+            <a:r>
+              <a:rPr lang="en-US" sz="1000" dirty="0">
+                <a:latin typeface="Arial" panose="020B0604020202020204" pitchFamily="34" charset="0"/>
+                <a:cs typeface="Arial" panose="020B0604020202020204" pitchFamily="34" charset="0"/>
+              </a:rPr>
+              <a:t> temenos que </a:t>
+            </a:r>
+            <a:r>
+              <a:rPr lang="en-US" sz="1000" dirty="0" err="1">
+                <a:latin typeface="Arial" panose="020B0604020202020204" pitchFamily="34" charset="0"/>
+                <a:cs typeface="Arial" panose="020B0604020202020204" pitchFamily="34" charset="0"/>
+              </a:rPr>
+              <a:t>fijar</a:t>
+            </a:r>
+            <a:r>
+              <a:rPr lang="en-US" sz="1000" dirty="0">
+                <a:latin typeface="Arial" panose="020B0604020202020204" pitchFamily="34" charset="0"/>
+                <a:cs typeface="Arial" panose="020B0604020202020204" pitchFamily="34" charset="0"/>
+              </a:rPr>
+              <a:t> a </a:t>
+            </a:r>
+            <a:r>
+              <a:rPr lang="en-US" sz="1000" dirty="0" err="1">
+                <a:latin typeface="Arial" panose="020B0604020202020204" pitchFamily="34" charset="0"/>
+                <a:cs typeface="Arial" panose="020B0604020202020204" pitchFamily="34" charset="0"/>
+              </a:rPr>
+              <a:t>partir</a:t>
+            </a:r>
+            <a:r>
+              <a:rPr lang="en-US" sz="1000" dirty="0">
+                <a:latin typeface="Arial" panose="020B0604020202020204" pitchFamily="34" charset="0"/>
+                <a:cs typeface="Arial" panose="020B0604020202020204" pitchFamily="34" charset="0"/>
+              </a:rPr>
+              <a:t> de </a:t>
+            </a:r>
+            <a:r>
+              <a:rPr lang="en-US" sz="1000" dirty="0" err="1">
+                <a:latin typeface="Arial" panose="020B0604020202020204" pitchFamily="34" charset="0"/>
+                <a:cs typeface="Arial" panose="020B0604020202020204" pitchFamily="34" charset="0"/>
+              </a:rPr>
+              <a:t>qué</a:t>
+            </a:r>
+            <a:r>
+              <a:rPr lang="en-US" sz="1000" dirty="0">
+                <a:latin typeface="Arial" panose="020B0604020202020204" pitchFamily="34" charset="0"/>
+                <a:cs typeface="Arial" panose="020B0604020202020204" pitchFamily="34" charset="0"/>
+              </a:rPr>
+              <a:t> valor de los </a:t>
+            </a:r>
+            <a:r>
+              <a:rPr lang="en-US" sz="1000" dirty="0" err="1">
+                <a:latin typeface="Arial" panose="020B0604020202020204" pitchFamily="34" charset="0"/>
+                <a:cs typeface="Arial" panose="020B0604020202020204" pitchFamily="34" charset="0"/>
+              </a:rPr>
+              <a:t>ejes</a:t>
+            </a:r>
+            <a:r>
+              <a:rPr lang="en-US" sz="1000" dirty="0">
+                <a:latin typeface="Arial" panose="020B0604020202020204" pitchFamily="34" charset="0"/>
+                <a:cs typeface="Arial" panose="020B0604020202020204" pitchFamily="34" charset="0"/>
+              </a:rPr>
+              <a:t> x, </a:t>
+            </a:r>
+            <a:r>
+              <a:rPr lang="en-US" sz="1000" dirty="0" err="1">
+                <a:latin typeface="Arial" panose="020B0604020202020204" pitchFamily="34" charset="0"/>
+                <a:cs typeface="Arial" panose="020B0604020202020204" pitchFamily="34" charset="0"/>
+              </a:rPr>
+              <a:t>el</a:t>
+            </a:r>
+            <a:r>
+              <a:rPr lang="en-US" sz="1000" dirty="0">
+                <a:latin typeface="Arial" panose="020B0604020202020204" pitchFamily="34" charset="0"/>
+                <a:cs typeface="Arial" panose="020B0604020202020204" pitchFamily="34" charset="0"/>
+              </a:rPr>
+              <a:t> valor del </a:t>
+            </a:r>
+            <a:r>
+              <a:rPr lang="en-US" sz="1000" dirty="0" err="1">
+                <a:latin typeface="Arial" panose="020B0604020202020204" pitchFamily="34" charset="0"/>
+                <a:cs typeface="Arial" panose="020B0604020202020204" pitchFamily="34" charset="0"/>
+              </a:rPr>
+              <a:t>índice</a:t>
+            </a:r>
+            <a:r>
+              <a:rPr lang="en-US" sz="1000" dirty="0">
+                <a:latin typeface="Arial" panose="020B0604020202020204" pitchFamily="34" charset="0"/>
+                <a:cs typeface="Arial" panose="020B0604020202020204" pitchFamily="34" charset="0"/>
+              </a:rPr>
+              <a:t> </a:t>
+            </a:r>
+            <a:r>
+              <a:rPr lang="en-US" sz="1000" dirty="0" err="1">
+                <a:latin typeface="Arial" panose="020B0604020202020204" pitchFamily="34" charset="0"/>
+                <a:cs typeface="Arial" panose="020B0604020202020204" pitchFamily="34" charset="0"/>
+              </a:rPr>
+              <a:t>efectivo</a:t>
+            </a:r>
+            <a:r>
+              <a:rPr lang="en-US" sz="1000" dirty="0">
+                <a:latin typeface="Arial" panose="020B0604020202020204" pitchFamily="34" charset="0"/>
+                <a:cs typeface="Arial" panose="020B0604020202020204" pitchFamily="34" charset="0"/>
+              </a:rPr>
+              <a:t> no cambia </a:t>
+            </a:r>
+            <a:r>
+              <a:rPr lang="en-US" sz="1000" dirty="0" err="1">
+                <a:latin typeface="Arial" panose="020B0604020202020204" pitchFamily="34" charset="0"/>
+                <a:cs typeface="Arial" panose="020B0604020202020204" pitchFamily="34" charset="0"/>
+              </a:rPr>
+              <a:t>significativamente</a:t>
+            </a:r>
+            <a:r>
+              <a:rPr lang="en-US" sz="1000" dirty="0">
+                <a:latin typeface="Arial" panose="020B0604020202020204" pitchFamily="34" charset="0"/>
+                <a:cs typeface="Arial" panose="020B0604020202020204" pitchFamily="34" charset="0"/>
+              </a:rPr>
+              <a:t>.</a:t>
+            </a:r>
+          </a:p>
+          <a:p>
+            <a:pPr algn="just"/>
+            <a:endParaRPr lang="en-US" sz="1000" dirty="0">
               <a:latin typeface="Arial" panose="020B0604020202020204" pitchFamily="34" charset="0"/>
               <a:cs typeface="Arial" panose="020B0604020202020204" pitchFamily="34" charset="0"/>
             </a:endParaRPr>
           </a:p>
           <a:p>
             <a:pPr algn="just"/>
-            <a:endParaRPr lang="en-US" sz="1200" dirty="0">
+            <a:r>
+              <a:rPr lang="en-US" sz="1000" dirty="0" err="1">
+                <a:latin typeface="Arial" panose="020B0604020202020204" pitchFamily="34" charset="0"/>
+                <a:cs typeface="Arial" panose="020B0604020202020204" pitchFamily="34" charset="0"/>
+              </a:rPr>
+              <a:t>En</a:t>
+            </a:r>
+            <a:r>
+              <a:rPr lang="en-US" sz="1000" dirty="0">
+                <a:latin typeface="Arial" panose="020B0604020202020204" pitchFamily="34" charset="0"/>
+                <a:cs typeface="Arial" panose="020B0604020202020204" pitchFamily="34" charset="0"/>
+              </a:rPr>
+              <a:t> </a:t>
+            </a:r>
+            <a:r>
+              <a:rPr lang="en-US" sz="1000" dirty="0" err="1">
+                <a:latin typeface="Arial" panose="020B0604020202020204" pitchFamily="34" charset="0"/>
+                <a:cs typeface="Arial" panose="020B0604020202020204" pitchFamily="34" charset="0"/>
+              </a:rPr>
+              <a:t>el</a:t>
+            </a:r>
+            <a:r>
+              <a:rPr lang="en-US" sz="1000" dirty="0">
+                <a:latin typeface="Arial" panose="020B0604020202020204" pitchFamily="34" charset="0"/>
+                <a:cs typeface="Arial" panose="020B0604020202020204" pitchFamily="34" charset="0"/>
+              </a:rPr>
+              <a:t> </a:t>
+            </a:r>
+            <a:r>
+              <a:rPr lang="en-US" sz="1000" dirty="0" err="1">
+                <a:latin typeface="Arial" panose="020B0604020202020204" pitchFamily="34" charset="0"/>
+                <a:cs typeface="Arial" panose="020B0604020202020204" pitchFamily="34" charset="0"/>
+              </a:rPr>
+              <a:t>caso</a:t>
+            </a:r>
+            <a:r>
+              <a:rPr lang="en-US" sz="1000" dirty="0">
+                <a:latin typeface="Arial" panose="020B0604020202020204" pitchFamily="34" charset="0"/>
+                <a:cs typeface="Arial" panose="020B0604020202020204" pitchFamily="34" charset="0"/>
+              </a:rPr>
+              <a:t> de la </a:t>
+            </a:r>
+            <a:r>
+              <a:rPr lang="en-US" sz="1000" dirty="0" err="1">
+                <a:latin typeface="Arial" panose="020B0604020202020204" pitchFamily="34" charset="0"/>
+                <a:cs typeface="Arial" panose="020B0604020202020204" pitchFamily="34" charset="0"/>
+              </a:rPr>
+              <a:t>resolución</a:t>
+            </a:r>
+            <a:r>
+              <a:rPr lang="en-US" sz="1000" dirty="0">
+                <a:latin typeface="Arial" panose="020B0604020202020204" pitchFamily="34" charset="0"/>
+                <a:cs typeface="Arial" panose="020B0604020202020204" pitchFamily="34" charset="0"/>
+              </a:rPr>
+              <a:t> del grid </a:t>
+            </a:r>
+            <a:r>
+              <a:rPr lang="en-US" sz="1000" dirty="0" err="1">
+                <a:latin typeface="Arial" panose="020B0604020202020204" pitchFamily="34" charset="0"/>
+                <a:cs typeface="Arial" panose="020B0604020202020204" pitchFamily="34" charset="0"/>
+              </a:rPr>
+              <a:t>vemos</a:t>
+            </a:r>
+            <a:r>
+              <a:rPr lang="en-US" sz="1000" dirty="0">
+                <a:latin typeface="Arial" panose="020B0604020202020204" pitchFamily="34" charset="0"/>
+                <a:cs typeface="Arial" panose="020B0604020202020204" pitchFamily="34" charset="0"/>
+              </a:rPr>
+              <a:t> que al </a:t>
+            </a:r>
+            <a:r>
+              <a:rPr lang="en-US" sz="1000" dirty="0" err="1">
+                <a:latin typeface="Arial" panose="020B0604020202020204" pitchFamily="34" charset="0"/>
+                <a:cs typeface="Arial" panose="020B0604020202020204" pitchFamily="34" charset="0"/>
+              </a:rPr>
+              <a:t>inicio</a:t>
+            </a:r>
+            <a:r>
+              <a:rPr lang="en-US" sz="1000" dirty="0">
+                <a:latin typeface="Arial" panose="020B0604020202020204" pitchFamily="34" charset="0"/>
+                <a:cs typeface="Arial" panose="020B0604020202020204" pitchFamily="34" charset="0"/>
+              </a:rPr>
+              <a:t> hay </a:t>
+            </a:r>
+            <a:r>
+              <a:rPr lang="en-US" sz="1000" dirty="0" err="1">
+                <a:latin typeface="Arial" panose="020B0604020202020204" pitchFamily="34" charset="0"/>
+                <a:cs typeface="Arial" panose="020B0604020202020204" pitchFamily="34" charset="0"/>
+              </a:rPr>
+              <a:t>cambios</a:t>
+            </a:r>
+            <a:r>
+              <a:rPr lang="en-US" sz="1000" dirty="0">
+                <a:latin typeface="Arial" panose="020B0604020202020204" pitchFamily="34" charset="0"/>
+                <a:cs typeface="Arial" panose="020B0604020202020204" pitchFamily="34" charset="0"/>
+              </a:rPr>
+              <a:t> </a:t>
+            </a:r>
+            <a:r>
+              <a:rPr lang="en-US" sz="1000" dirty="0" err="1">
+                <a:latin typeface="Arial" panose="020B0604020202020204" pitchFamily="34" charset="0"/>
+                <a:cs typeface="Arial" panose="020B0604020202020204" pitchFamily="34" charset="0"/>
+              </a:rPr>
+              <a:t>bruscos</a:t>
+            </a:r>
+            <a:r>
+              <a:rPr lang="en-US" sz="1000" dirty="0">
+                <a:latin typeface="Arial" panose="020B0604020202020204" pitchFamily="34" charset="0"/>
+                <a:cs typeface="Arial" panose="020B0604020202020204" pitchFamily="34" charset="0"/>
+              </a:rPr>
+              <a:t> y que a </a:t>
+            </a:r>
+            <a:r>
+              <a:rPr lang="en-US" sz="1000" dirty="0" err="1">
+                <a:latin typeface="Arial" panose="020B0604020202020204" pitchFamily="34" charset="0"/>
+                <a:cs typeface="Arial" panose="020B0604020202020204" pitchFamily="34" charset="0"/>
+              </a:rPr>
+              <a:t>parir</a:t>
+            </a:r>
+            <a:r>
+              <a:rPr lang="en-US" sz="1000" dirty="0">
+                <a:latin typeface="Arial" panose="020B0604020202020204" pitchFamily="34" charset="0"/>
+                <a:cs typeface="Arial" panose="020B0604020202020204" pitchFamily="34" charset="0"/>
+              </a:rPr>
+              <a:t> de 50, la </a:t>
+            </a:r>
+            <a:r>
+              <a:rPr lang="en-US" sz="1000" dirty="0" err="1">
+                <a:latin typeface="Arial" panose="020B0604020202020204" pitchFamily="34" charset="0"/>
+                <a:cs typeface="Arial" panose="020B0604020202020204" pitchFamily="34" charset="0"/>
+              </a:rPr>
+              <a:t>curva</a:t>
+            </a:r>
+            <a:r>
+              <a:rPr lang="en-US" sz="1000" dirty="0">
+                <a:latin typeface="Arial" panose="020B0604020202020204" pitchFamily="34" charset="0"/>
+                <a:cs typeface="Arial" panose="020B0604020202020204" pitchFamily="34" charset="0"/>
+              </a:rPr>
+              <a:t> se </a:t>
+            </a:r>
+            <a:r>
+              <a:rPr lang="en-US" sz="1000" dirty="0" err="1">
+                <a:latin typeface="Arial" panose="020B0604020202020204" pitchFamily="34" charset="0"/>
+                <a:cs typeface="Arial" panose="020B0604020202020204" pitchFamily="34" charset="0"/>
+              </a:rPr>
+              <a:t>mantiene</a:t>
+            </a:r>
+            <a:r>
+              <a:rPr lang="en-US" sz="1000" dirty="0">
+                <a:latin typeface="Arial" panose="020B0604020202020204" pitchFamily="34" charset="0"/>
+                <a:cs typeface="Arial" panose="020B0604020202020204" pitchFamily="34" charset="0"/>
+              </a:rPr>
+              <a:t> </a:t>
+            </a:r>
+            <a:r>
+              <a:rPr lang="en-US" sz="1000" dirty="0" err="1">
+                <a:latin typeface="Arial" panose="020B0604020202020204" pitchFamily="34" charset="0"/>
+                <a:cs typeface="Arial" panose="020B0604020202020204" pitchFamily="34" charset="0"/>
+              </a:rPr>
+              <a:t>constante</a:t>
+            </a:r>
+            <a:r>
+              <a:rPr lang="en-US" sz="1000" dirty="0">
+                <a:latin typeface="Arial" panose="020B0604020202020204" pitchFamily="34" charset="0"/>
+                <a:cs typeface="Arial" panose="020B0604020202020204" pitchFamily="34" charset="0"/>
+              </a:rPr>
+              <a:t> al </a:t>
+            </a:r>
+            <a:r>
+              <a:rPr lang="en-US" sz="1000" dirty="0" err="1">
+                <a:latin typeface="Arial" panose="020B0604020202020204" pitchFamily="34" charset="0"/>
+                <a:cs typeface="Arial" panose="020B0604020202020204" pitchFamily="34" charset="0"/>
+              </a:rPr>
+              <a:t>rededor</a:t>
+            </a:r>
+            <a:r>
+              <a:rPr lang="en-US" sz="1000" dirty="0">
+                <a:latin typeface="Arial" panose="020B0604020202020204" pitchFamily="34" charset="0"/>
+                <a:cs typeface="Arial" panose="020B0604020202020204" pitchFamily="34" charset="0"/>
+              </a:rPr>
+              <a:t> de un valor de neff_TE0= 1.605. </a:t>
+            </a:r>
+            <a:r>
+              <a:rPr lang="en-US" sz="1000" dirty="0" err="1">
+                <a:latin typeface="Arial" panose="020B0604020202020204" pitchFamily="34" charset="0"/>
+                <a:cs typeface="Arial" panose="020B0604020202020204" pitchFamily="34" charset="0"/>
+              </a:rPr>
+              <a:t>Esto</a:t>
+            </a:r>
+            <a:r>
+              <a:rPr lang="en-US" sz="1000" dirty="0">
+                <a:latin typeface="Arial" panose="020B0604020202020204" pitchFamily="34" charset="0"/>
+                <a:cs typeface="Arial" panose="020B0604020202020204" pitchFamily="34" charset="0"/>
+              </a:rPr>
+              <a:t> </a:t>
+            </a:r>
+            <a:r>
+              <a:rPr lang="en-US" sz="1000" dirty="0" err="1">
+                <a:latin typeface="Arial" panose="020B0604020202020204" pitchFamily="34" charset="0"/>
+                <a:cs typeface="Arial" panose="020B0604020202020204" pitchFamily="34" charset="0"/>
+              </a:rPr>
+              <a:t>significa</a:t>
+            </a:r>
+            <a:r>
+              <a:rPr lang="en-US" sz="1000" dirty="0">
+                <a:latin typeface="Arial" panose="020B0604020202020204" pitchFamily="34" charset="0"/>
+                <a:cs typeface="Arial" panose="020B0604020202020204" pitchFamily="34" charset="0"/>
+              </a:rPr>
+              <a:t> que converge para un valor de grid resolution=50.</a:t>
+            </a:r>
+          </a:p>
+          <a:p>
+            <a:pPr algn="just"/>
+            <a:endParaRPr lang="en-US" sz="1000" dirty="0">
               <a:latin typeface="Arial" panose="020B0604020202020204" pitchFamily="34" charset="0"/>
               <a:cs typeface="Arial" panose="020B0604020202020204" pitchFamily="34" charset="0"/>
             </a:endParaRPr>
           </a:p>
           <a:p>
             <a:pPr algn="just"/>
-            <a:endParaRPr lang="en-US" sz="1200" dirty="0">
+            <a:r>
+              <a:rPr lang="en-US" sz="1000" dirty="0" err="1">
+                <a:latin typeface="Arial" panose="020B0604020202020204" pitchFamily="34" charset="0"/>
+                <a:cs typeface="Arial" panose="020B0604020202020204" pitchFamily="34" charset="0"/>
+              </a:rPr>
+              <a:t>Así</a:t>
+            </a:r>
+            <a:r>
+              <a:rPr lang="en-US" sz="1000" dirty="0">
+                <a:latin typeface="Arial" panose="020B0604020202020204" pitchFamily="34" charset="0"/>
+                <a:cs typeface="Arial" panose="020B0604020202020204" pitchFamily="34" charset="0"/>
+              </a:rPr>
+              <a:t> </a:t>
+            </a:r>
+            <a:r>
+              <a:rPr lang="en-US" sz="1000" dirty="0" err="1">
+                <a:latin typeface="Arial" panose="020B0604020202020204" pitchFamily="34" charset="0"/>
+                <a:cs typeface="Arial" panose="020B0604020202020204" pitchFamily="34" charset="0"/>
+              </a:rPr>
+              <a:t>mismo</a:t>
+            </a:r>
+            <a:r>
+              <a:rPr lang="en-US" sz="1000" dirty="0">
+                <a:latin typeface="Arial" panose="020B0604020202020204" pitchFamily="34" charset="0"/>
+                <a:cs typeface="Arial" panose="020B0604020202020204" pitchFamily="34" charset="0"/>
+              </a:rPr>
+              <a:t> </a:t>
+            </a:r>
+            <a:r>
+              <a:rPr lang="en-US" sz="1000" dirty="0" err="1">
+                <a:latin typeface="Arial" panose="020B0604020202020204" pitchFamily="34" charset="0"/>
+                <a:cs typeface="Arial" panose="020B0604020202020204" pitchFamily="34" charset="0"/>
+              </a:rPr>
+              <a:t>en</a:t>
+            </a:r>
+            <a:r>
+              <a:rPr lang="en-US" sz="1000" dirty="0">
+                <a:latin typeface="Arial" panose="020B0604020202020204" pitchFamily="34" charset="0"/>
+                <a:cs typeface="Arial" panose="020B0604020202020204" pitchFamily="34" charset="0"/>
+              </a:rPr>
+              <a:t> </a:t>
+            </a:r>
+            <a:r>
+              <a:rPr lang="en-US" sz="1000" dirty="0" err="1">
+                <a:latin typeface="Arial" panose="020B0604020202020204" pitchFamily="34" charset="0"/>
+                <a:cs typeface="Arial" panose="020B0604020202020204" pitchFamily="34" charset="0"/>
+              </a:rPr>
+              <a:t>el</a:t>
+            </a:r>
+            <a:r>
+              <a:rPr lang="en-US" sz="1000" dirty="0">
+                <a:latin typeface="Arial" panose="020B0604020202020204" pitchFamily="34" charset="0"/>
+                <a:cs typeface="Arial" panose="020B0604020202020204" pitchFamily="34" charset="0"/>
+              </a:rPr>
+              <a:t> </a:t>
+            </a:r>
+            <a:r>
+              <a:rPr lang="en-US" sz="1000" dirty="0" err="1">
+                <a:latin typeface="Arial" panose="020B0604020202020204" pitchFamily="34" charset="0"/>
+                <a:cs typeface="Arial" panose="020B0604020202020204" pitchFamily="34" charset="0"/>
+              </a:rPr>
+              <a:t>caso</a:t>
+            </a:r>
+            <a:r>
+              <a:rPr lang="en-US" sz="1000" dirty="0">
+                <a:latin typeface="Arial" panose="020B0604020202020204" pitchFamily="34" charset="0"/>
+                <a:cs typeface="Arial" panose="020B0604020202020204" pitchFamily="34" charset="0"/>
+              </a:rPr>
+              <a:t> del max grid resolution la </a:t>
+            </a:r>
+            <a:r>
+              <a:rPr lang="en-US" sz="1000" dirty="0" err="1">
+                <a:latin typeface="Arial" panose="020B0604020202020204" pitchFamily="34" charset="0"/>
+                <a:cs typeface="Arial" panose="020B0604020202020204" pitchFamily="34" charset="0"/>
+              </a:rPr>
+              <a:t>curva</a:t>
+            </a:r>
+            <a:r>
+              <a:rPr lang="en-US" sz="1000" dirty="0">
+                <a:latin typeface="Arial" panose="020B0604020202020204" pitchFamily="34" charset="0"/>
+                <a:cs typeface="Arial" panose="020B0604020202020204" pitchFamily="34" charset="0"/>
+              </a:rPr>
+              <a:t> se </a:t>
+            </a:r>
+            <a:r>
+              <a:rPr lang="en-US" sz="1000" dirty="0" err="1">
+                <a:latin typeface="Arial" panose="020B0604020202020204" pitchFamily="34" charset="0"/>
+                <a:cs typeface="Arial" panose="020B0604020202020204" pitchFamily="34" charset="0"/>
+              </a:rPr>
+              <a:t>estabiliza</a:t>
+            </a:r>
+            <a:r>
+              <a:rPr lang="en-US" sz="1000" dirty="0">
+                <a:latin typeface="Arial" panose="020B0604020202020204" pitchFamily="34" charset="0"/>
+                <a:cs typeface="Arial" panose="020B0604020202020204" pitchFamily="34" charset="0"/>
+              </a:rPr>
+              <a:t> a </a:t>
+            </a:r>
+            <a:r>
+              <a:rPr lang="en-US" sz="1000" dirty="0" err="1">
+                <a:latin typeface="Arial" panose="020B0604020202020204" pitchFamily="34" charset="0"/>
+                <a:cs typeface="Arial" panose="020B0604020202020204" pitchFamily="34" charset="0"/>
+              </a:rPr>
+              <a:t>partir</a:t>
+            </a:r>
+            <a:r>
+              <a:rPr lang="en-US" sz="1000" dirty="0">
+                <a:latin typeface="Arial" panose="020B0604020202020204" pitchFamily="34" charset="0"/>
+                <a:cs typeface="Arial" panose="020B0604020202020204" pitchFamily="34" charset="0"/>
+              </a:rPr>
+              <a:t> del valor de 1.4. </a:t>
+            </a:r>
+            <a:r>
+              <a:rPr lang="en-US" sz="1000" dirty="0" err="1">
+                <a:latin typeface="Arial" panose="020B0604020202020204" pitchFamily="34" charset="0"/>
+                <a:cs typeface="Arial" panose="020B0604020202020204" pitchFamily="34" charset="0"/>
+              </a:rPr>
+              <a:t>En</a:t>
+            </a:r>
+            <a:r>
+              <a:rPr lang="en-US" sz="1000" dirty="0">
+                <a:latin typeface="Arial" panose="020B0604020202020204" pitchFamily="34" charset="0"/>
+                <a:cs typeface="Arial" panose="020B0604020202020204" pitchFamily="34" charset="0"/>
+              </a:rPr>
+              <a:t> un valor de neff_TE0= 1.6053</a:t>
+            </a:r>
+          </a:p>
+          <a:p>
+            <a:pPr algn="just"/>
+            <a:endParaRPr lang="en-US" sz="1000" dirty="0">
               <a:latin typeface="Arial" panose="020B0604020202020204" pitchFamily="34" charset="0"/>
               <a:cs typeface="Arial" panose="020B0604020202020204" pitchFamily="34" charset="0"/>
             </a:endParaRPr>
           </a:p>
           <a:p>
             <a:pPr algn="just"/>
-            <a:endParaRPr lang="en-US" sz="1200" dirty="0">
-              <a:latin typeface="Arial" panose="020B0604020202020204" pitchFamily="34" charset="0"/>
-              <a:cs typeface="Arial" panose="020B0604020202020204" pitchFamily="34" charset="0"/>
-            </a:endParaRPr>
-          </a:p>
-          <a:p>
-            <a:pPr algn="just"/>
+            <a:r>
+              <a:rPr lang="en-US" sz="1000" dirty="0">
+                <a:latin typeface="Arial" panose="020B0604020202020204" pitchFamily="34" charset="0"/>
+                <a:cs typeface="Arial" panose="020B0604020202020204" pitchFamily="34" charset="0"/>
+              </a:rPr>
+              <a:t>La </a:t>
+            </a:r>
+            <a:r>
+              <a:rPr lang="en-US" sz="1000" dirty="0" err="1">
+                <a:latin typeface="Arial" panose="020B0604020202020204" pitchFamily="34" charset="0"/>
+                <a:cs typeface="Arial" panose="020B0604020202020204" pitchFamily="34" charset="0"/>
+              </a:rPr>
+              <a:t>configuración</a:t>
+            </a:r>
+            <a:r>
+              <a:rPr lang="en-US" sz="1000" dirty="0">
+                <a:latin typeface="Arial" panose="020B0604020202020204" pitchFamily="34" charset="0"/>
+                <a:cs typeface="Arial" panose="020B0604020202020204" pitchFamily="34" charset="0"/>
+              </a:rPr>
+              <a:t> que </a:t>
+            </a:r>
+            <a:r>
+              <a:rPr lang="en-US" sz="1000" dirty="0" err="1">
+                <a:latin typeface="Arial" panose="020B0604020202020204" pitchFamily="34" charset="0"/>
+                <a:cs typeface="Arial" panose="020B0604020202020204" pitchFamily="34" charset="0"/>
+              </a:rPr>
+              <a:t>escogeré</a:t>
+            </a:r>
+            <a:r>
+              <a:rPr lang="en-US" sz="1000" dirty="0">
+                <a:latin typeface="Arial" panose="020B0604020202020204" pitchFamily="34" charset="0"/>
+                <a:cs typeface="Arial" panose="020B0604020202020204" pitchFamily="34" charset="0"/>
+              </a:rPr>
+              <a:t> </a:t>
+            </a:r>
+            <a:r>
+              <a:rPr lang="en-US" sz="1000" dirty="0" err="1">
+                <a:latin typeface="Arial" panose="020B0604020202020204" pitchFamily="34" charset="0"/>
+                <a:cs typeface="Arial" panose="020B0604020202020204" pitchFamily="34" charset="0"/>
+              </a:rPr>
+              <a:t>será</a:t>
+            </a:r>
+            <a:r>
+              <a:rPr lang="en-US" sz="1000" dirty="0">
+                <a:latin typeface="Arial" panose="020B0604020202020204" pitchFamily="34" charset="0"/>
+                <a:cs typeface="Arial" panose="020B0604020202020204" pitchFamily="34" charset="0"/>
+              </a:rPr>
+              <a:t> </a:t>
+            </a:r>
+            <a:r>
+              <a:rPr lang="en-US" sz="1000" dirty="0" err="1">
+                <a:latin typeface="Arial" panose="020B0604020202020204" pitchFamily="34" charset="0"/>
+                <a:cs typeface="Arial" panose="020B0604020202020204" pitchFamily="34" charset="0"/>
+              </a:rPr>
+              <a:t>grid_resolution</a:t>
+            </a:r>
+            <a:r>
+              <a:rPr lang="en-US" sz="1000" dirty="0">
+                <a:latin typeface="Arial" panose="020B0604020202020204" pitchFamily="34" charset="0"/>
+                <a:cs typeface="Arial" panose="020B0604020202020204" pitchFamily="34" charset="0"/>
+              </a:rPr>
+              <a:t>= 20 y </a:t>
+            </a:r>
+            <a:r>
+              <a:rPr lang="en-US" sz="1000" dirty="0" err="1">
+                <a:latin typeface="Arial" panose="020B0604020202020204" pitchFamily="34" charset="0"/>
+                <a:cs typeface="Arial" panose="020B0604020202020204" pitchFamily="34" charset="0"/>
+              </a:rPr>
+              <a:t>max_grid_scalling</a:t>
+            </a:r>
+            <a:r>
+              <a:rPr lang="en-US" sz="1000" dirty="0">
+                <a:latin typeface="Arial" panose="020B0604020202020204" pitchFamily="34" charset="0"/>
+                <a:cs typeface="Arial" panose="020B0604020202020204" pitchFamily="34" charset="0"/>
+              </a:rPr>
+              <a:t>= 1.5. </a:t>
+            </a:r>
+            <a:r>
+              <a:rPr lang="en-US" sz="1000" dirty="0" err="1">
+                <a:latin typeface="Arial" panose="020B0604020202020204" pitchFamily="34" charset="0"/>
+                <a:cs typeface="Arial" panose="020B0604020202020204" pitchFamily="34" charset="0"/>
+              </a:rPr>
+              <a:t>En</a:t>
+            </a:r>
+            <a:r>
+              <a:rPr lang="en-US" sz="1000" dirty="0">
+                <a:latin typeface="Arial" panose="020B0604020202020204" pitchFamily="34" charset="0"/>
+                <a:cs typeface="Arial" panose="020B0604020202020204" pitchFamily="34" charset="0"/>
+              </a:rPr>
+              <a:t> </a:t>
+            </a:r>
+            <a:r>
+              <a:rPr lang="en-US" sz="1000" dirty="0" err="1">
+                <a:latin typeface="Arial" panose="020B0604020202020204" pitchFamily="34" charset="0"/>
+                <a:cs typeface="Arial" panose="020B0604020202020204" pitchFamily="34" charset="0"/>
+              </a:rPr>
+              <a:t>el</a:t>
+            </a:r>
+            <a:r>
+              <a:rPr lang="en-US" sz="1000" dirty="0">
+                <a:latin typeface="Arial" panose="020B0604020202020204" pitchFamily="34" charset="0"/>
+                <a:cs typeface="Arial" panose="020B0604020202020204" pitchFamily="34" charset="0"/>
+              </a:rPr>
+              <a:t> </a:t>
+            </a:r>
+            <a:r>
+              <a:rPr lang="en-US" sz="1000" dirty="0" err="1">
+                <a:latin typeface="Arial" panose="020B0604020202020204" pitchFamily="34" charset="0"/>
+                <a:cs typeface="Arial" panose="020B0604020202020204" pitchFamily="34" charset="0"/>
+              </a:rPr>
+              <a:t>caso</a:t>
+            </a:r>
+            <a:r>
+              <a:rPr lang="en-US" sz="1000" dirty="0">
+                <a:latin typeface="Arial" panose="020B0604020202020204" pitchFamily="34" charset="0"/>
+                <a:cs typeface="Arial" panose="020B0604020202020204" pitchFamily="34" charset="0"/>
+              </a:rPr>
+              <a:t> de la </a:t>
+            </a:r>
+            <a:r>
+              <a:rPr lang="en-US" sz="1000" dirty="0" err="1">
+                <a:latin typeface="Arial" panose="020B0604020202020204" pitchFamily="34" charset="0"/>
+                <a:cs typeface="Arial" panose="020B0604020202020204" pitchFamily="34" charset="0"/>
+              </a:rPr>
+              <a:t>resolución</a:t>
+            </a:r>
+            <a:r>
+              <a:rPr lang="en-US" sz="1000" dirty="0">
+                <a:latin typeface="Arial" panose="020B0604020202020204" pitchFamily="34" charset="0"/>
+                <a:cs typeface="Arial" panose="020B0604020202020204" pitchFamily="34" charset="0"/>
+              </a:rPr>
+              <a:t> del </a:t>
+            </a:r>
+            <a:r>
+              <a:rPr lang="en-US" sz="1000" dirty="0" err="1">
+                <a:latin typeface="Arial" panose="020B0604020202020204" pitchFamily="34" charset="0"/>
+                <a:cs typeface="Arial" panose="020B0604020202020204" pitchFamily="34" charset="0"/>
+              </a:rPr>
+              <a:t>mallado</a:t>
+            </a:r>
+            <a:r>
+              <a:rPr lang="en-US" sz="1000" dirty="0">
+                <a:latin typeface="Arial" panose="020B0604020202020204" pitchFamily="34" charset="0"/>
+                <a:cs typeface="Arial" panose="020B0604020202020204" pitchFamily="34" charset="0"/>
+              </a:rPr>
+              <a:t> he </a:t>
+            </a:r>
+            <a:r>
+              <a:rPr lang="en-US" sz="1000" dirty="0" err="1">
+                <a:latin typeface="Arial" panose="020B0604020202020204" pitchFamily="34" charset="0"/>
+                <a:cs typeface="Arial" panose="020B0604020202020204" pitchFamily="34" charset="0"/>
+              </a:rPr>
+              <a:t>escogido</a:t>
+            </a:r>
+            <a:r>
+              <a:rPr lang="en-US" sz="1000" dirty="0">
+                <a:latin typeface="Arial" panose="020B0604020202020204" pitchFamily="34" charset="0"/>
+                <a:cs typeface="Arial" panose="020B0604020202020204" pitchFamily="34" charset="0"/>
+              </a:rPr>
+              <a:t> ese valor  </a:t>
+            </a:r>
+            <a:r>
+              <a:rPr lang="en-US" sz="1000" dirty="0" err="1">
+                <a:latin typeface="Arial" panose="020B0604020202020204" pitchFamily="34" charset="0"/>
+                <a:cs typeface="Arial" panose="020B0604020202020204" pitchFamily="34" charset="0"/>
+              </a:rPr>
+              <a:t>ya</a:t>
+            </a:r>
+            <a:r>
+              <a:rPr lang="en-US" sz="1000" dirty="0">
+                <a:latin typeface="Arial" panose="020B0604020202020204" pitchFamily="34" charset="0"/>
+                <a:cs typeface="Arial" panose="020B0604020202020204" pitchFamily="34" charset="0"/>
+              </a:rPr>
+              <a:t> que </a:t>
+            </a:r>
+            <a:r>
+              <a:rPr lang="en-US" sz="1000" dirty="0" err="1">
+                <a:latin typeface="Arial" panose="020B0604020202020204" pitchFamily="34" charset="0"/>
+                <a:cs typeface="Arial" panose="020B0604020202020204" pitchFamily="34" charset="0"/>
+              </a:rPr>
+              <a:t>tiene</a:t>
+            </a:r>
+            <a:r>
+              <a:rPr lang="en-US" sz="1000" dirty="0">
+                <a:latin typeface="Arial" panose="020B0604020202020204" pitchFamily="34" charset="0"/>
+                <a:cs typeface="Arial" panose="020B0604020202020204" pitchFamily="34" charset="0"/>
+              </a:rPr>
+              <a:t> una </a:t>
+            </a:r>
+            <a:r>
+              <a:rPr lang="en-US" sz="1000" dirty="0" err="1">
+                <a:latin typeface="Arial" panose="020B0604020202020204" pitchFamily="34" charset="0"/>
+                <a:cs typeface="Arial" panose="020B0604020202020204" pitchFamily="34" charset="0"/>
+              </a:rPr>
+              <a:t>respuesta</a:t>
+            </a:r>
+            <a:r>
+              <a:rPr lang="en-US" sz="1000" dirty="0">
+                <a:latin typeface="Arial" panose="020B0604020202020204" pitchFamily="34" charset="0"/>
+                <a:cs typeface="Arial" panose="020B0604020202020204" pitchFamily="34" charset="0"/>
+              </a:rPr>
+              <a:t> de </a:t>
+            </a:r>
+            <a:r>
+              <a:rPr lang="en-US" sz="1000" dirty="0" err="1">
+                <a:latin typeface="Arial" panose="020B0604020202020204" pitchFamily="34" charset="0"/>
+                <a:cs typeface="Arial" panose="020B0604020202020204" pitchFamily="34" charset="0"/>
+              </a:rPr>
+              <a:t>indice</a:t>
+            </a:r>
+            <a:r>
+              <a:rPr lang="en-US" sz="1000" dirty="0">
+                <a:latin typeface="Arial" panose="020B0604020202020204" pitchFamily="34" charset="0"/>
+                <a:cs typeface="Arial" panose="020B0604020202020204" pitchFamily="34" charset="0"/>
+              </a:rPr>
+              <a:t> </a:t>
+            </a:r>
+            <a:r>
+              <a:rPr lang="en-US" sz="1000" dirty="0" err="1">
+                <a:latin typeface="Arial" panose="020B0604020202020204" pitchFamily="34" charset="0"/>
+                <a:cs typeface="Arial" panose="020B0604020202020204" pitchFamily="34" charset="0"/>
+              </a:rPr>
+              <a:t>efectivo</a:t>
+            </a:r>
+            <a:r>
+              <a:rPr lang="en-US" sz="1000" dirty="0">
+                <a:latin typeface="Arial" panose="020B0604020202020204" pitchFamily="34" charset="0"/>
+                <a:cs typeface="Arial" panose="020B0604020202020204" pitchFamily="34" charset="0"/>
+              </a:rPr>
+              <a:t> </a:t>
+            </a:r>
+            <a:r>
+              <a:rPr lang="en-US" sz="1000" dirty="0" err="1">
+                <a:latin typeface="Arial" panose="020B0604020202020204" pitchFamily="34" charset="0"/>
+                <a:cs typeface="Arial" panose="020B0604020202020204" pitchFamily="34" charset="0"/>
+              </a:rPr>
+              <a:t>muy</a:t>
+            </a:r>
+            <a:r>
+              <a:rPr lang="en-US" sz="1000" dirty="0">
+                <a:latin typeface="Arial" panose="020B0604020202020204" pitchFamily="34" charset="0"/>
+                <a:cs typeface="Arial" panose="020B0604020202020204" pitchFamily="34" charset="0"/>
+              </a:rPr>
+              <a:t> similar al que converge </a:t>
+            </a:r>
+            <a:r>
+              <a:rPr lang="en-US" sz="1000" dirty="0" err="1">
+                <a:latin typeface="Arial" panose="020B0604020202020204" pitchFamily="34" charset="0"/>
+                <a:cs typeface="Arial" panose="020B0604020202020204" pitchFamily="34" charset="0"/>
+              </a:rPr>
+              <a:t>cuando</a:t>
+            </a:r>
+            <a:r>
+              <a:rPr lang="en-US" sz="1000" dirty="0">
+                <a:latin typeface="Arial" panose="020B0604020202020204" pitchFamily="34" charset="0"/>
+                <a:cs typeface="Arial" panose="020B0604020202020204" pitchFamily="34" charset="0"/>
+              </a:rPr>
+              <a:t> se </a:t>
+            </a:r>
+            <a:r>
+              <a:rPr lang="en-US" sz="1000" dirty="0" err="1">
+                <a:latin typeface="Arial" panose="020B0604020202020204" pitchFamily="34" charset="0"/>
+                <a:cs typeface="Arial" panose="020B0604020202020204" pitchFamily="34" charset="0"/>
+              </a:rPr>
+              <a:t>estabiliza</a:t>
+            </a:r>
+            <a:r>
+              <a:rPr lang="en-US" sz="1000" dirty="0">
+                <a:latin typeface="Arial" panose="020B0604020202020204" pitchFamily="34" charset="0"/>
+                <a:cs typeface="Arial" panose="020B0604020202020204" pitchFamily="34" charset="0"/>
+              </a:rPr>
+              <a:t> (</a:t>
+            </a:r>
+            <a:r>
+              <a:rPr lang="en-US" sz="1000" dirty="0" err="1">
+                <a:latin typeface="Arial" panose="020B0604020202020204" pitchFamily="34" charset="0"/>
+                <a:cs typeface="Arial" panose="020B0604020202020204" pitchFamily="34" charset="0"/>
+              </a:rPr>
+              <a:t>neff</a:t>
+            </a:r>
+            <a:r>
+              <a:rPr lang="en-US" sz="1000" dirty="0">
+                <a:latin typeface="Arial" panose="020B0604020202020204" pitchFamily="34" charset="0"/>
+                <a:cs typeface="Arial" panose="020B0604020202020204" pitchFamily="34" charset="0"/>
+              </a:rPr>
+              <a:t>=1.605) </a:t>
+            </a:r>
+            <a:r>
+              <a:rPr lang="en-US" sz="1000" dirty="0" err="1">
+                <a:latin typeface="Arial" panose="020B0604020202020204" pitchFamily="34" charset="0"/>
+                <a:cs typeface="Arial" panose="020B0604020202020204" pitchFamily="34" charset="0"/>
+              </a:rPr>
+              <a:t>pero</a:t>
+            </a:r>
+            <a:r>
+              <a:rPr lang="en-US" sz="1000" dirty="0">
+                <a:latin typeface="Arial" panose="020B0604020202020204" pitchFamily="34" charset="0"/>
+                <a:cs typeface="Arial" panose="020B0604020202020204" pitchFamily="34" charset="0"/>
+              </a:rPr>
+              <a:t> al ser </a:t>
+            </a:r>
+            <a:r>
+              <a:rPr lang="en-US" sz="1000" dirty="0" err="1">
+                <a:latin typeface="Arial" panose="020B0604020202020204" pitchFamily="34" charset="0"/>
+                <a:cs typeface="Arial" panose="020B0604020202020204" pitchFamily="34" charset="0"/>
+              </a:rPr>
+              <a:t>menor</a:t>
+            </a:r>
+            <a:r>
+              <a:rPr lang="en-US" sz="1000" dirty="0">
+                <a:latin typeface="Arial" panose="020B0604020202020204" pitchFamily="34" charset="0"/>
+                <a:cs typeface="Arial" panose="020B0604020202020204" pitchFamily="34" charset="0"/>
+              </a:rPr>
+              <a:t> </a:t>
+            </a:r>
+            <a:r>
+              <a:rPr lang="en-US" sz="1000" dirty="0" err="1">
+                <a:latin typeface="Arial" panose="020B0604020202020204" pitchFamily="34" charset="0"/>
+                <a:cs typeface="Arial" panose="020B0604020202020204" pitchFamily="34" charset="0"/>
+              </a:rPr>
+              <a:t>tendrá</a:t>
+            </a:r>
+            <a:r>
+              <a:rPr lang="en-US" sz="1000" dirty="0">
+                <a:latin typeface="Arial" panose="020B0604020202020204" pitchFamily="34" charset="0"/>
+                <a:cs typeface="Arial" panose="020B0604020202020204" pitchFamily="34" charset="0"/>
+              </a:rPr>
+              <a:t> </a:t>
+            </a:r>
+            <a:r>
+              <a:rPr lang="en-US" sz="1000" dirty="0" err="1">
+                <a:latin typeface="Arial" panose="020B0604020202020204" pitchFamily="34" charset="0"/>
+                <a:cs typeface="Arial" panose="020B0604020202020204" pitchFamily="34" charset="0"/>
+              </a:rPr>
+              <a:t>menor</a:t>
+            </a:r>
+            <a:r>
+              <a:rPr lang="en-US" sz="1000" dirty="0">
+                <a:latin typeface="Arial" panose="020B0604020202020204" pitchFamily="34" charset="0"/>
+                <a:cs typeface="Arial" panose="020B0604020202020204" pitchFamily="34" charset="0"/>
+              </a:rPr>
+              <a:t> </a:t>
+            </a:r>
+            <a:r>
+              <a:rPr lang="en-US" sz="1000" dirty="0" err="1">
+                <a:latin typeface="Arial" panose="020B0604020202020204" pitchFamily="34" charset="0"/>
+                <a:cs typeface="Arial" panose="020B0604020202020204" pitchFamily="34" charset="0"/>
+              </a:rPr>
+              <a:t>costo</a:t>
+            </a:r>
+            <a:r>
+              <a:rPr lang="en-US" sz="1000" dirty="0">
+                <a:latin typeface="Arial" panose="020B0604020202020204" pitchFamily="34" charset="0"/>
+                <a:cs typeface="Arial" panose="020B0604020202020204" pitchFamily="34" charset="0"/>
+              </a:rPr>
+              <a:t> </a:t>
+            </a:r>
+            <a:r>
+              <a:rPr lang="en-US" sz="1000" dirty="0" err="1">
+                <a:latin typeface="Arial" panose="020B0604020202020204" pitchFamily="34" charset="0"/>
+                <a:cs typeface="Arial" panose="020B0604020202020204" pitchFamily="34" charset="0"/>
+              </a:rPr>
+              <a:t>computacional</a:t>
+            </a:r>
+            <a:r>
+              <a:rPr lang="en-US" sz="1000" dirty="0">
+                <a:latin typeface="Arial" panose="020B0604020202020204" pitchFamily="34" charset="0"/>
+                <a:cs typeface="Arial" panose="020B0604020202020204" pitchFamily="34" charset="0"/>
+              </a:rPr>
+              <a:t>. </a:t>
+            </a:r>
             <a:endParaRPr lang="en-US" sz="1200" dirty="0">
               <a:latin typeface="Arial" panose="020B0604020202020204" pitchFamily="34" charset="0"/>
               <a:cs typeface="Arial" panose="020B0604020202020204" pitchFamily="34" charset="0"/>
@@ -5278,6 +6162,66 @@
           </a:p>
         </p:txBody>
       </p:sp>
+      <p:pic>
+        <p:nvPicPr>
+          <p:cNvPr id="12" name="Imagen 11">
+            <a:extLst>
+              <a:ext uri="{FF2B5EF4-FFF2-40B4-BE49-F238E27FC236}">
+                <a16:creationId xmlns:a16="http://schemas.microsoft.com/office/drawing/2014/main" id="{E35A9662-962B-49BE-9828-35AA80228A78}"/>
+              </a:ext>
+            </a:extLst>
+          </p:cNvPr>
+          <p:cNvPicPr>
+            <a:picLocks noChangeAspect="1"/>
+          </p:cNvPicPr>
+          <p:nvPr/>
+        </p:nvPicPr>
+        <p:blipFill>
+          <a:blip r:embed="rId5"/>
+          <a:stretch>
+            <a:fillRect/>
+          </a:stretch>
+        </p:blipFill>
+        <p:spPr>
+          <a:xfrm>
+            <a:off x="1292939" y="1658235"/>
+            <a:ext cx="4119562" cy="3042138"/>
+          </a:xfrm>
+          <a:prstGeom prst="rect">
+            <a:avLst/>
+          </a:prstGeom>
+        </p:spPr>
+      </p:pic>
+      <p:pic>
+        <p:nvPicPr>
+          <p:cNvPr id="14" name="Imagen 13">
+            <a:extLst>
+              <a:ext uri="{FF2B5EF4-FFF2-40B4-BE49-F238E27FC236}">
+                <a16:creationId xmlns:a16="http://schemas.microsoft.com/office/drawing/2014/main" id="{19455F4C-5805-4C49-A10D-B3FBD5F75B3C}"/>
+              </a:ext>
+            </a:extLst>
+          </p:cNvPr>
+          <p:cNvPicPr>
+            <a:picLocks noChangeAspect="1"/>
+          </p:cNvPicPr>
+          <p:nvPr/>
+        </p:nvPicPr>
+        <p:blipFill>
+          <a:blip r:embed="rId6"/>
+          <a:stretch>
+            <a:fillRect/>
+          </a:stretch>
+        </p:blipFill>
+        <p:spPr>
+          <a:xfrm>
+            <a:off x="6870439" y="1600265"/>
+            <a:ext cx="4255473" cy="3100108"/>
+          </a:xfrm>
+          <a:prstGeom prst="rect">
+            <a:avLst/>
+          </a:prstGeom>
+        </p:spPr>
+      </p:pic>
     </p:spTree>
     <p:extLst>
       <p:ext uri="{BB962C8B-B14F-4D97-AF65-F5344CB8AC3E}">
@@ -5486,8 +6430,8 @@
         </p:nvSpPr>
         <p:spPr>
           <a:xfrm>
-            <a:off x="609441" y="4860334"/>
-            <a:ext cx="11199971" cy="1200329"/>
+            <a:off x="609441" y="4373091"/>
+            <a:ext cx="11199971" cy="2323713"/>
           </a:xfrm>
           <a:prstGeom prst="rect">
             <a:avLst/>
@@ -5534,31 +6478,1337 @@
           </a:p>
           <a:p>
             <a:pPr algn="just"/>
-            <a:endParaRPr lang="en-US" sz="1200" dirty="0">
+            <a:r>
+              <a:rPr lang="en-US" sz="1100" dirty="0" err="1">
+                <a:latin typeface="Arial" panose="020B0604020202020204" pitchFamily="34" charset="0"/>
+                <a:cs typeface="Arial" panose="020B0604020202020204" pitchFamily="34" charset="0"/>
+              </a:rPr>
+              <a:t>Esta</a:t>
+            </a:r>
+            <a:r>
+              <a:rPr lang="en-US" sz="1100" dirty="0">
+                <a:latin typeface="Arial" panose="020B0604020202020204" pitchFamily="34" charset="0"/>
+                <a:cs typeface="Arial" panose="020B0604020202020204" pitchFamily="34" charset="0"/>
+              </a:rPr>
+              <a:t> </a:t>
+            </a:r>
+            <a:r>
+              <a:rPr lang="en-US" sz="1100" dirty="0" err="1">
+                <a:latin typeface="Arial" panose="020B0604020202020204" pitchFamily="34" charset="0"/>
+                <a:cs typeface="Arial" panose="020B0604020202020204" pitchFamily="34" charset="0"/>
+              </a:rPr>
+              <a:t>gráfica</a:t>
+            </a:r>
+            <a:r>
+              <a:rPr lang="en-US" sz="1100" dirty="0">
+                <a:latin typeface="Arial" panose="020B0604020202020204" pitchFamily="34" charset="0"/>
+                <a:cs typeface="Arial" panose="020B0604020202020204" pitchFamily="34" charset="0"/>
+              </a:rPr>
+              <a:t> </a:t>
+            </a:r>
+            <a:r>
+              <a:rPr lang="en-US" sz="1100" dirty="0" err="1">
+                <a:latin typeface="Arial" panose="020B0604020202020204" pitchFamily="34" charset="0"/>
+                <a:cs typeface="Arial" panose="020B0604020202020204" pitchFamily="34" charset="0"/>
+              </a:rPr>
+              <a:t>nos</a:t>
+            </a:r>
+            <a:r>
+              <a:rPr lang="en-US" sz="1100" dirty="0">
+                <a:latin typeface="Arial" panose="020B0604020202020204" pitchFamily="34" charset="0"/>
+                <a:cs typeface="Arial" panose="020B0604020202020204" pitchFamily="34" charset="0"/>
+              </a:rPr>
+              <a:t> </a:t>
+            </a:r>
+            <a:r>
+              <a:rPr lang="en-US" sz="1100" dirty="0" err="1">
+                <a:latin typeface="Arial" panose="020B0604020202020204" pitchFamily="34" charset="0"/>
+                <a:cs typeface="Arial" panose="020B0604020202020204" pitchFamily="34" charset="0"/>
+              </a:rPr>
+              <a:t>muestra</a:t>
+            </a:r>
+            <a:r>
+              <a:rPr lang="en-US" sz="1100" dirty="0">
+                <a:latin typeface="Arial" panose="020B0604020202020204" pitchFamily="34" charset="0"/>
+                <a:cs typeface="Arial" panose="020B0604020202020204" pitchFamily="34" charset="0"/>
+              </a:rPr>
+              <a:t> la </a:t>
+            </a:r>
+            <a:r>
+              <a:rPr lang="en-US" sz="1100" dirty="0" err="1">
+                <a:latin typeface="Arial" panose="020B0604020202020204" pitchFamily="34" charset="0"/>
+                <a:cs typeface="Arial" panose="020B0604020202020204" pitchFamily="34" charset="0"/>
+              </a:rPr>
+              <a:t>dependecia</a:t>
+            </a:r>
+            <a:r>
+              <a:rPr lang="en-US" sz="1100" dirty="0">
+                <a:latin typeface="Arial" panose="020B0604020202020204" pitchFamily="34" charset="0"/>
+                <a:cs typeface="Arial" panose="020B0604020202020204" pitchFamily="34" charset="0"/>
+              </a:rPr>
+              <a:t> de la </a:t>
+            </a:r>
+            <a:r>
+              <a:rPr lang="en-US" sz="1100" dirty="0" err="1">
+                <a:latin typeface="Arial" panose="020B0604020202020204" pitchFamily="34" charset="0"/>
+                <a:cs typeface="Arial" panose="020B0604020202020204" pitchFamily="34" charset="0"/>
+              </a:rPr>
+              <a:t>propagación</a:t>
+            </a:r>
+            <a:r>
+              <a:rPr lang="en-US" sz="1100" dirty="0">
+                <a:latin typeface="Arial" panose="020B0604020202020204" pitchFamily="34" charset="0"/>
+                <a:cs typeface="Arial" panose="020B0604020202020204" pitchFamily="34" charset="0"/>
+              </a:rPr>
+              <a:t> con respect a la </a:t>
+            </a:r>
+            <a:r>
+              <a:rPr lang="en-US" sz="1100" dirty="0" err="1">
+                <a:latin typeface="Arial" panose="020B0604020202020204" pitchFamily="34" charset="0"/>
+                <a:cs typeface="Arial" panose="020B0604020202020204" pitchFamily="34" charset="0"/>
+              </a:rPr>
+              <a:t>anchura</a:t>
+            </a:r>
+            <a:r>
+              <a:rPr lang="en-US" sz="1100" dirty="0">
+                <a:latin typeface="Arial" panose="020B0604020202020204" pitchFamily="34" charset="0"/>
+                <a:cs typeface="Arial" panose="020B0604020202020204" pitchFamily="34" charset="0"/>
+              </a:rPr>
+              <a:t> de la </a:t>
+            </a:r>
+            <a:r>
+              <a:rPr lang="en-US" sz="1100" dirty="0" err="1">
+                <a:latin typeface="Arial" panose="020B0604020202020204" pitchFamily="34" charset="0"/>
+                <a:cs typeface="Arial" panose="020B0604020202020204" pitchFamily="34" charset="0"/>
+              </a:rPr>
+              <a:t>guía</a:t>
+            </a:r>
+            <a:r>
+              <a:rPr lang="en-US" sz="1100" dirty="0">
+                <a:latin typeface="Arial" panose="020B0604020202020204" pitchFamily="34" charset="0"/>
+                <a:cs typeface="Arial" panose="020B0604020202020204" pitchFamily="34" charset="0"/>
+              </a:rPr>
+              <a:t>. A </a:t>
+            </a:r>
+            <a:r>
+              <a:rPr lang="en-US" sz="1100" dirty="0" err="1">
+                <a:latin typeface="Arial" panose="020B0604020202020204" pitchFamily="34" charset="0"/>
+                <a:cs typeface="Arial" panose="020B0604020202020204" pitchFamily="34" charset="0"/>
+              </a:rPr>
+              <a:t>medida</a:t>
+            </a:r>
+            <a:r>
+              <a:rPr lang="en-US" sz="1100" dirty="0">
+                <a:latin typeface="Arial" panose="020B0604020202020204" pitchFamily="34" charset="0"/>
+                <a:cs typeface="Arial" panose="020B0604020202020204" pitchFamily="34" charset="0"/>
+              </a:rPr>
+              <a:t> que la </a:t>
+            </a:r>
+            <a:r>
+              <a:rPr lang="en-US" sz="1100" dirty="0" err="1">
+                <a:latin typeface="Arial" panose="020B0604020202020204" pitchFamily="34" charset="0"/>
+                <a:cs typeface="Arial" panose="020B0604020202020204" pitchFamily="34" charset="0"/>
+              </a:rPr>
+              <a:t>aumentamos</a:t>
+            </a:r>
+            <a:r>
+              <a:rPr lang="en-US" sz="1100" dirty="0">
+                <a:latin typeface="Arial" panose="020B0604020202020204" pitchFamily="34" charset="0"/>
+                <a:cs typeface="Arial" panose="020B0604020202020204" pitchFamily="34" charset="0"/>
+              </a:rPr>
+              <a:t>, se </a:t>
+            </a:r>
+            <a:r>
+              <a:rPr lang="en-US" sz="1100" dirty="0" err="1">
+                <a:latin typeface="Arial" panose="020B0604020202020204" pitchFamily="34" charset="0"/>
+                <a:cs typeface="Arial" panose="020B0604020202020204" pitchFamily="34" charset="0"/>
+              </a:rPr>
+              <a:t>irán</a:t>
+            </a:r>
+            <a:r>
+              <a:rPr lang="en-US" sz="1100" dirty="0">
+                <a:latin typeface="Arial" panose="020B0604020202020204" pitchFamily="34" charset="0"/>
+                <a:cs typeface="Arial" panose="020B0604020202020204" pitchFamily="34" charset="0"/>
+              </a:rPr>
+              <a:t> propaganda </a:t>
+            </a:r>
+            <a:r>
+              <a:rPr lang="en-US" sz="1100" dirty="0" err="1">
+                <a:latin typeface="Arial" panose="020B0604020202020204" pitchFamily="34" charset="0"/>
+                <a:cs typeface="Arial" panose="020B0604020202020204" pitchFamily="34" charset="0"/>
+              </a:rPr>
+              <a:t>más</a:t>
+            </a:r>
+            <a:r>
+              <a:rPr lang="en-US" sz="1100" dirty="0">
+                <a:latin typeface="Arial" panose="020B0604020202020204" pitchFamily="34" charset="0"/>
+                <a:cs typeface="Arial" panose="020B0604020202020204" pitchFamily="34" charset="0"/>
+              </a:rPr>
+              <a:t> </a:t>
+            </a:r>
+            <a:r>
+              <a:rPr lang="en-US" sz="1100" dirty="0" err="1">
+                <a:latin typeface="Arial" panose="020B0604020202020204" pitchFamily="34" charset="0"/>
+                <a:cs typeface="Arial" panose="020B0604020202020204" pitchFamily="34" charset="0"/>
+              </a:rPr>
+              <a:t>modos</a:t>
+            </a:r>
+            <a:r>
+              <a:rPr lang="en-US" sz="1100" dirty="0">
+                <a:latin typeface="Arial" panose="020B0604020202020204" pitchFamily="34" charset="0"/>
+                <a:cs typeface="Arial" panose="020B0604020202020204" pitchFamily="34" charset="0"/>
+              </a:rPr>
+              <a:t>.</a:t>
+            </a:r>
+          </a:p>
+          <a:p>
+            <a:pPr algn="just"/>
+            <a:r>
+              <a:rPr lang="en-US" sz="1100" dirty="0">
+                <a:latin typeface="Arial" panose="020B0604020202020204" pitchFamily="34" charset="0"/>
+                <a:cs typeface="Arial" panose="020B0604020202020204" pitchFamily="34" charset="0"/>
+              </a:rPr>
+              <a:t>Si </a:t>
+            </a:r>
+            <a:r>
+              <a:rPr lang="en-US" sz="1100" dirty="0" err="1">
+                <a:latin typeface="Arial" panose="020B0604020202020204" pitchFamily="34" charset="0"/>
+                <a:cs typeface="Arial" panose="020B0604020202020204" pitchFamily="34" charset="0"/>
+              </a:rPr>
+              <a:t>neff</a:t>
+            </a:r>
+            <a:r>
+              <a:rPr lang="en-US" sz="1100" dirty="0">
+                <a:latin typeface="Arial" panose="020B0604020202020204" pitchFamily="34" charset="0"/>
+                <a:cs typeface="Arial" panose="020B0604020202020204" pitchFamily="34" charset="0"/>
+              </a:rPr>
+              <a:t>&gt;</a:t>
+            </a:r>
+            <a:r>
+              <a:rPr lang="en-US" sz="1100" dirty="0" err="1">
+                <a:latin typeface="Arial" panose="020B0604020202020204" pitchFamily="34" charset="0"/>
+                <a:cs typeface="Arial" panose="020B0604020202020204" pitchFamily="34" charset="0"/>
+              </a:rPr>
+              <a:t>nclading</a:t>
+            </a:r>
+            <a:r>
+              <a:rPr lang="en-US" sz="1100" dirty="0">
+                <a:latin typeface="Arial" panose="020B0604020202020204" pitchFamily="34" charset="0"/>
+                <a:cs typeface="Arial" panose="020B0604020202020204" pitchFamily="34" charset="0"/>
+              </a:rPr>
+              <a:t> los </a:t>
+            </a:r>
+            <a:r>
+              <a:rPr lang="en-US" sz="1100" dirty="0" err="1">
+                <a:latin typeface="Arial" panose="020B0604020202020204" pitchFamily="34" charset="0"/>
+                <a:cs typeface="Arial" panose="020B0604020202020204" pitchFamily="34" charset="0"/>
+              </a:rPr>
+              <a:t>modos</a:t>
+            </a:r>
+            <a:r>
+              <a:rPr lang="en-US" sz="1100" dirty="0">
+                <a:latin typeface="Arial" panose="020B0604020202020204" pitchFamily="34" charset="0"/>
+                <a:cs typeface="Arial" panose="020B0604020202020204" pitchFamily="34" charset="0"/>
+              </a:rPr>
+              <a:t> se </a:t>
+            </a:r>
+            <a:r>
+              <a:rPr lang="en-US" sz="1100" dirty="0" err="1">
+                <a:latin typeface="Arial" panose="020B0604020202020204" pitchFamily="34" charset="0"/>
+                <a:cs typeface="Arial" panose="020B0604020202020204" pitchFamily="34" charset="0"/>
+              </a:rPr>
+              <a:t>propagarán</a:t>
+            </a:r>
+            <a:r>
+              <a:rPr lang="en-US" sz="1100" dirty="0">
+                <a:latin typeface="Arial" panose="020B0604020202020204" pitchFamily="34" charset="0"/>
+                <a:cs typeface="Arial" panose="020B0604020202020204" pitchFamily="34" charset="0"/>
+              </a:rPr>
+              <a:t>.</a:t>
+            </a:r>
+          </a:p>
+          <a:p>
+            <a:pPr algn="just"/>
+            <a:r>
+              <a:rPr lang="en-US" sz="1100" dirty="0" err="1">
+                <a:latin typeface="Arial" panose="020B0604020202020204" pitchFamily="34" charset="0"/>
+                <a:cs typeface="Arial" panose="020B0604020202020204" pitchFamily="34" charset="0"/>
+              </a:rPr>
+              <a:t>Vemos</a:t>
+            </a:r>
+            <a:r>
+              <a:rPr lang="en-US" sz="1100" dirty="0">
+                <a:latin typeface="Arial" panose="020B0604020202020204" pitchFamily="34" charset="0"/>
+                <a:cs typeface="Arial" panose="020B0604020202020204" pitchFamily="34" charset="0"/>
+              </a:rPr>
+              <a:t> que </a:t>
+            </a:r>
+            <a:r>
+              <a:rPr lang="en-US" sz="1100" dirty="0" err="1">
+                <a:latin typeface="Arial" panose="020B0604020202020204" pitchFamily="34" charset="0"/>
+                <a:cs typeface="Arial" panose="020B0604020202020204" pitchFamily="34" charset="0"/>
+              </a:rPr>
+              <a:t>como</a:t>
+            </a:r>
+            <a:r>
+              <a:rPr lang="en-US" sz="1100" dirty="0">
+                <a:latin typeface="Arial" panose="020B0604020202020204" pitchFamily="34" charset="0"/>
+                <a:cs typeface="Arial" panose="020B0604020202020204" pitchFamily="34" charset="0"/>
+              </a:rPr>
+              <a:t> </a:t>
+            </a:r>
+            <a:r>
+              <a:rPr lang="en-US" sz="1100" dirty="0" err="1">
+                <a:latin typeface="Arial" panose="020B0604020202020204" pitchFamily="34" charset="0"/>
+                <a:cs typeface="Arial" panose="020B0604020202020204" pitchFamily="34" charset="0"/>
+              </a:rPr>
+              <a:t>mínimo</a:t>
+            </a:r>
+            <a:r>
+              <a:rPr lang="en-US" sz="1100" dirty="0">
+                <a:latin typeface="Arial" panose="020B0604020202020204" pitchFamily="34" charset="0"/>
+                <a:cs typeface="Arial" panose="020B0604020202020204" pitchFamily="34" charset="0"/>
+              </a:rPr>
+              <a:t> la </a:t>
+            </a:r>
+            <a:r>
+              <a:rPr lang="en-US" sz="1100" dirty="0" err="1">
+                <a:latin typeface="Arial" panose="020B0604020202020204" pitchFamily="34" charset="0"/>
+                <a:cs typeface="Arial" panose="020B0604020202020204" pitchFamily="34" charset="0"/>
+              </a:rPr>
+              <a:t>guía</a:t>
+            </a:r>
+            <a:r>
+              <a:rPr lang="en-US" sz="1100" dirty="0">
+                <a:latin typeface="Arial" panose="020B0604020202020204" pitchFamily="34" charset="0"/>
+                <a:cs typeface="Arial" panose="020B0604020202020204" pitchFamily="34" charset="0"/>
+              </a:rPr>
+              <a:t> </a:t>
+            </a:r>
+            <a:r>
+              <a:rPr lang="en-US" sz="1100" dirty="0" err="1">
+                <a:latin typeface="Arial" panose="020B0604020202020204" pitchFamily="34" charset="0"/>
+                <a:cs typeface="Arial" panose="020B0604020202020204" pitchFamily="34" charset="0"/>
+              </a:rPr>
+              <a:t>siempre</a:t>
+            </a:r>
+            <a:r>
+              <a:rPr lang="en-US" sz="1100" dirty="0">
+                <a:latin typeface="Arial" panose="020B0604020202020204" pitchFamily="34" charset="0"/>
+                <a:cs typeface="Arial" panose="020B0604020202020204" pitchFamily="34" charset="0"/>
+              </a:rPr>
+              <a:t> </a:t>
+            </a:r>
+            <a:r>
+              <a:rPr lang="en-US" sz="1100" dirty="0" err="1">
+                <a:latin typeface="Arial" panose="020B0604020202020204" pitchFamily="34" charset="0"/>
+                <a:cs typeface="Arial" panose="020B0604020202020204" pitchFamily="34" charset="0"/>
+              </a:rPr>
+              <a:t>va</a:t>
+            </a:r>
+            <a:r>
+              <a:rPr lang="en-US" sz="1100" dirty="0">
+                <a:latin typeface="Arial" panose="020B0604020202020204" pitchFamily="34" charset="0"/>
+                <a:cs typeface="Arial" panose="020B0604020202020204" pitchFamily="34" charset="0"/>
+              </a:rPr>
+              <a:t> a ser </a:t>
+            </a:r>
+            <a:r>
+              <a:rPr lang="en-US" sz="1100" dirty="0" err="1">
+                <a:latin typeface="Arial" panose="020B0604020202020204" pitchFamily="34" charset="0"/>
+                <a:cs typeface="Arial" panose="020B0604020202020204" pitchFamily="34" charset="0"/>
+              </a:rPr>
+              <a:t>bimodo</a:t>
+            </a:r>
+            <a:r>
+              <a:rPr lang="en-US" sz="1100" dirty="0">
+                <a:latin typeface="Arial" panose="020B0604020202020204" pitchFamily="34" charset="0"/>
+                <a:cs typeface="Arial" panose="020B0604020202020204" pitchFamily="34" charset="0"/>
+              </a:rPr>
+              <a:t> </a:t>
+            </a:r>
+            <a:r>
+              <a:rPr lang="en-US" sz="1100" dirty="0" err="1">
+                <a:latin typeface="Arial" panose="020B0604020202020204" pitchFamily="34" charset="0"/>
+                <a:cs typeface="Arial" panose="020B0604020202020204" pitchFamily="34" charset="0"/>
+              </a:rPr>
+              <a:t>desde</a:t>
+            </a:r>
+            <a:r>
+              <a:rPr lang="en-US" sz="1100" dirty="0">
+                <a:latin typeface="Arial" panose="020B0604020202020204" pitchFamily="34" charset="0"/>
+                <a:cs typeface="Arial" panose="020B0604020202020204" pitchFamily="34" charset="0"/>
+              </a:rPr>
+              <a:t> </a:t>
+            </a:r>
+            <a:r>
+              <a:rPr lang="en-US" sz="1100" dirty="0" err="1">
+                <a:latin typeface="Arial" panose="020B0604020202020204" pitchFamily="34" charset="0"/>
+                <a:cs typeface="Arial" panose="020B0604020202020204" pitchFamily="34" charset="0"/>
+              </a:rPr>
+              <a:t>el</a:t>
+            </a:r>
+            <a:r>
+              <a:rPr lang="en-US" sz="1100" dirty="0">
+                <a:latin typeface="Arial" panose="020B0604020202020204" pitchFamily="34" charset="0"/>
+                <a:cs typeface="Arial" panose="020B0604020202020204" pitchFamily="34" charset="0"/>
+              </a:rPr>
+              <a:t> principio. </a:t>
+            </a:r>
+          </a:p>
+          <a:p>
+            <a:pPr algn="just"/>
+            <a:r>
+              <a:rPr lang="en-US" sz="1100" dirty="0">
+                <a:latin typeface="Arial" panose="020B0604020202020204" pitchFamily="34" charset="0"/>
+                <a:cs typeface="Arial" panose="020B0604020202020204" pitchFamily="34" charset="0"/>
+              </a:rPr>
+              <a:t>El modo 2 </a:t>
+            </a:r>
+            <a:r>
+              <a:rPr lang="en-US" sz="1100" dirty="0" err="1">
+                <a:latin typeface="Arial" panose="020B0604020202020204" pitchFamily="34" charset="0"/>
+                <a:cs typeface="Arial" panose="020B0604020202020204" pitchFamily="34" charset="0"/>
+              </a:rPr>
+              <a:t>empieza</a:t>
+            </a:r>
+            <a:r>
+              <a:rPr lang="en-US" sz="1100" dirty="0">
+                <a:latin typeface="Arial" panose="020B0604020202020204" pitchFamily="34" charset="0"/>
+                <a:cs typeface="Arial" panose="020B0604020202020204" pitchFamily="34" charset="0"/>
+              </a:rPr>
+              <a:t> a </a:t>
+            </a:r>
+            <a:r>
+              <a:rPr lang="en-US" sz="1100" dirty="0" err="1">
+                <a:latin typeface="Arial" panose="020B0604020202020204" pitchFamily="34" charset="0"/>
+                <a:cs typeface="Arial" panose="020B0604020202020204" pitchFamily="34" charset="0"/>
+              </a:rPr>
+              <a:t>propagarse</a:t>
+            </a:r>
+            <a:r>
+              <a:rPr lang="en-US" sz="1100" dirty="0">
+                <a:latin typeface="Arial" panose="020B0604020202020204" pitchFamily="34" charset="0"/>
+                <a:cs typeface="Arial" panose="020B0604020202020204" pitchFamily="34" charset="0"/>
+              </a:rPr>
+              <a:t> </a:t>
+            </a:r>
+            <a:r>
+              <a:rPr lang="en-US" sz="1100" dirty="0" err="1">
+                <a:latin typeface="Arial" panose="020B0604020202020204" pitchFamily="34" charset="0"/>
+                <a:cs typeface="Arial" panose="020B0604020202020204" pitchFamily="34" charset="0"/>
+              </a:rPr>
+              <a:t>aproximadamente</a:t>
+            </a:r>
+            <a:r>
+              <a:rPr lang="en-US" sz="1100" dirty="0">
+                <a:latin typeface="Arial" panose="020B0604020202020204" pitchFamily="34" charset="0"/>
+                <a:cs typeface="Arial" panose="020B0604020202020204" pitchFamily="34" charset="0"/>
+              </a:rPr>
+              <a:t> a los 1.3um, </a:t>
+            </a:r>
+            <a:r>
+              <a:rPr lang="en-US" sz="1100" dirty="0" err="1">
+                <a:latin typeface="Arial" panose="020B0604020202020204" pitchFamily="34" charset="0"/>
+                <a:cs typeface="Arial" panose="020B0604020202020204" pitchFamily="34" charset="0"/>
+              </a:rPr>
+              <a:t>mientras</a:t>
+            </a:r>
+            <a:r>
+              <a:rPr lang="en-US" sz="1100" dirty="0">
+                <a:latin typeface="Arial" panose="020B0604020202020204" pitchFamily="34" charset="0"/>
+                <a:cs typeface="Arial" panose="020B0604020202020204" pitchFamily="34" charset="0"/>
+              </a:rPr>
+              <a:t> que </a:t>
+            </a:r>
+            <a:r>
+              <a:rPr lang="en-US" sz="1100" dirty="0" err="1">
+                <a:latin typeface="Arial" panose="020B0604020202020204" pitchFamily="34" charset="0"/>
+                <a:cs typeface="Arial" panose="020B0604020202020204" pitchFamily="34" charset="0"/>
+              </a:rPr>
+              <a:t>el</a:t>
+            </a:r>
+            <a:r>
+              <a:rPr lang="en-US" sz="1100" dirty="0">
+                <a:latin typeface="Arial" panose="020B0604020202020204" pitchFamily="34" charset="0"/>
+                <a:cs typeface="Arial" panose="020B0604020202020204" pitchFamily="34" charset="0"/>
+              </a:rPr>
+              <a:t> 3 a </a:t>
+            </a:r>
+            <a:r>
+              <a:rPr lang="en-US" sz="1100" dirty="0" err="1">
+                <a:latin typeface="Arial" panose="020B0604020202020204" pitchFamily="34" charset="0"/>
+                <a:cs typeface="Arial" panose="020B0604020202020204" pitchFamily="34" charset="0"/>
+              </a:rPr>
+              <a:t>partir</a:t>
+            </a:r>
+            <a:r>
+              <a:rPr lang="en-US" sz="1100" dirty="0">
+                <a:latin typeface="Arial" panose="020B0604020202020204" pitchFamily="34" charset="0"/>
+                <a:cs typeface="Arial" panose="020B0604020202020204" pitchFamily="34" charset="0"/>
+              </a:rPr>
+              <a:t> de 1.6 um. </a:t>
+            </a:r>
+            <a:r>
+              <a:rPr lang="en-US" sz="1100" dirty="0" err="1">
+                <a:latin typeface="Arial" panose="020B0604020202020204" pitchFamily="34" charset="0"/>
+                <a:cs typeface="Arial" panose="020B0604020202020204" pitchFamily="34" charset="0"/>
+              </a:rPr>
+              <a:t>También</a:t>
+            </a:r>
+            <a:r>
+              <a:rPr lang="en-US" sz="1100" dirty="0">
+                <a:latin typeface="Arial" panose="020B0604020202020204" pitchFamily="34" charset="0"/>
+                <a:cs typeface="Arial" panose="020B0604020202020204" pitchFamily="34" charset="0"/>
+              </a:rPr>
+              <a:t> </a:t>
+            </a:r>
+            <a:r>
+              <a:rPr lang="en-US" sz="1100" dirty="0" err="1">
+                <a:latin typeface="Arial" panose="020B0604020202020204" pitchFamily="34" charset="0"/>
+                <a:cs typeface="Arial" panose="020B0604020202020204" pitchFamily="34" charset="0"/>
+              </a:rPr>
+              <a:t>el</a:t>
+            </a:r>
+            <a:r>
+              <a:rPr lang="en-US" sz="1100" dirty="0">
+                <a:latin typeface="Arial" panose="020B0604020202020204" pitchFamily="34" charset="0"/>
+                <a:cs typeface="Arial" panose="020B0604020202020204" pitchFamily="34" charset="0"/>
+              </a:rPr>
+              <a:t> color de los puntos de </a:t>
+            </a:r>
+            <a:r>
+              <a:rPr lang="en-US" sz="1100" dirty="0" err="1">
+                <a:latin typeface="Arial" panose="020B0604020202020204" pitchFamily="34" charset="0"/>
+                <a:cs typeface="Arial" panose="020B0604020202020204" pitchFamily="34" charset="0"/>
+              </a:rPr>
+              <a:t>cada</a:t>
+            </a:r>
+            <a:r>
+              <a:rPr lang="en-US" sz="1100" dirty="0">
+                <a:latin typeface="Arial" panose="020B0604020202020204" pitchFamily="34" charset="0"/>
+                <a:cs typeface="Arial" panose="020B0604020202020204" pitchFamily="34" charset="0"/>
+              </a:rPr>
+              <a:t> modo </a:t>
+            </a:r>
+            <a:r>
+              <a:rPr lang="en-US" sz="1100" dirty="0" err="1">
+                <a:latin typeface="Arial" panose="020B0604020202020204" pitchFamily="34" charset="0"/>
+                <a:cs typeface="Arial" panose="020B0604020202020204" pitchFamily="34" charset="0"/>
+              </a:rPr>
+              <a:t>nos</a:t>
+            </a:r>
+            <a:r>
+              <a:rPr lang="en-US" sz="1100" dirty="0">
+                <a:latin typeface="Arial" panose="020B0604020202020204" pitchFamily="34" charset="0"/>
+                <a:cs typeface="Arial" panose="020B0604020202020204" pitchFamily="34" charset="0"/>
+              </a:rPr>
+              <a:t> indica sus </a:t>
+            </a:r>
+            <a:r>
+              <a:rPr lang="en-US" sz="1100" dirty="0" err="1">
+                <a:latin typeface="Arial" panose="020B0604020202020204" pitchFamily="34" charset="0"/>
+                <a:cs typeface="Arial" panose="020B0604020202020204" pitchFamily="34" charset="0"/>
+              </a:rPr>
+              <a:t>polarizaciones</a:t>
+            </a:r>
+            <a:r>
+              <a:rPr lang="en-US" sz="1100" dirty="0">
+                <a:latin typeface="Arial" panose="020B0604020202020204" pitchFamily="34" charset="0"/>
+                <a:cs typeface="Arial" panose="020B0604020202020204" pitchFamily="34" charset="0"/>
+              </a:rPr>
+              <a:t>. </a:t>
+            </a:r>
+            <a:r>
+              <a:rPr lang="en-US" sz="1100" dirty="0" err="1">
+                <a:latin typeface="Arial" panose="020B0604020202020204" pitchFamily="34" charset="0"/>
+                <a:cs typeface="Arial" panose="020B0604020202020204" pitchFamily="34" charset="0"/>
+              </a:rPr>
+              <a:t>En</a:t>
+            </a:r>
+            <a:r>
+              <a:rPr lang="en-US" sz="1100" dirty="0">
+                <a:latin typeface="Arial" panose="020B0604020202020204" pitchFamily="34" charset="0"/>
+                <a:cs typeface="Arial" panose="020B0604020202020204" pitchFamily="34" charset="0"/>
+              </a:rPr>
+              <a:t> </a:t>
+            </a:r>
+            <a:r>
+              <a:rPr lang="en-US" sz="1100" dirty="0" err="1">
+                <a:latin typeface="Arial" panose="020B0604020202020204" pitchFamily="34" charset="0"/>
+                <a:cs typeface="Arial" panose="020B0604020202020204" pitchFamily="34" charset="0"/>
+              </a:rPr>
+              <a:t>orden</a:t>
+            </a:r>
+            <a:r>
+              <a:rPr lang="en-US" sz="1100" dirty="0">
+                <a:latin typeface="Arial" panose="020B0604020202020204" pitchFamily="34" charset="0"/>
+                <a:cs typeface="Arial" panose="020B0604020202020204" pitchFamily="34" charset="0"/>
+              </a:rPr>
+              <a:t> </a:t>
+            </a:r>
+            <a:r>
+              <a:rPr lang="en-US" sz="1100" dirty="0" err="1">
+                <a:latin typeface="Arial" panose="020B0604020202020204" pitchFamily="34" charset="0"/>
+                <a:cs typeface="Arial" panose="020B0604020202020204" pitchFamily="34" charset="0"/>
+              </a:rPr>
+              <a:t>estaríamos</a:t>
+            </a:r>
+            <a:r>
+              <a:rPr lang="en-US" sz="1100" dirty="0">
+                <a:latin typeface="Arial" panose="020B0604020202020204" pitchFamily="34" charset="0"/>
+                <a:cs typeface="Arial" panose="020B0604020202020204" pitchFamily="34" charset="0"/>
+              </a:rPr>
+              <a:t> </a:t>
+            </a:r>
+            <a:r>
+              <a:rPr lang="en-US" sz="1100" dirty="0" err="1">
+                <a:latin typeface="Arial" panose="020B0604020202020204" pitchFamily="34" charset="0"/>
+                <a:cs typeface="Arial" panose="020B0604020202020204" pitchFamily="34" charset="0"/>
+              </a:rPr>
+              <a:t>viendo</a:t>
+            </a:r>
+            <a:r>
+              <a:rPr lang="en-US" sz="1100" dirty="0">
+                <a:latin typeface="Arial" panose="020B0604020202020204" pitchFamily="34" charset="0"/>
+                <a:cs typeface="Arial" panose="020B0604020202020204" pitchFamily="34" charset="0"/>
+              </a:rPr>
+              <a:t> </a:t>
+            </a:r>
+            <a:r>
+              <a:rPr lang="en-US" sz="1100" dirty="0" err="1">
+                <a:latin typeface="Arial" panose="020B0604020202020204" pitchFamily="34" charset="0"/>
+                <a:cs typeface="Arial" panose="020B0604020202020204" pitchFamily="34" charset="0"/>
+              </a:rPr>
+              <a:t>el</a:t>
+            </a:r>
+            <a:r>
+              <a:rPr lang="en-US" sz="1100" dirty="0">
+                <a:latin typeface="Arial" panose="020B0604020202020204" pitchFamily="34" charset="0"/>
+                <a:cs typeface="Arial" panose="020B0604020202020204" pitchFamily="34" charset="0"/>
+              </a:rPr>
+              <a:t> modo TE0, TM0. TE1 y TM1.</a:t>
+            </a:r>
+          </a:p>
+          <a:p>
+            <a:pPr algn="just"/>
+            <a:endParaRPr lang="en-US" sz="1100" dirty="0">
               <a:latin typeface="Arial" panose="020B0604020202020204" pitchFamily="34" charset="0"/>
               <a:cs typeface="Arial" panose="020B0604020202020204" pitchFamily="34" charset="0"/>
             </a:endParaRPr>
           </a:p>
           <a:p>
             <a:pPr algn="just"/>
-            <a:endParaRPr lang="en-US" sz="1200" dirty="0">
+            <a:r>
+              <a:rPr lang="en-US" sz="1100" dirty="0" err="1">
+                <a:latin typeface="Arial" panose="020B0604020202020204" pitchFamily="34" charset="0"/>
+                <a:cs typeface="Arial" panose="020B0604020202020204" pitchFamily="34" charset="0"/>
+              </a:rPr>
+              <a:t>Vemos</a:t>
+            </a:r>
+            <a:r>
+              <a:rPr lang="en-US" sz="1100" dirty="0">
+                <a:latin typeface="Arial" panose="020B0604020202020204" pitchFamily="34" charset="0"/>
+                <a:cs typeface="Arial" panose="020B0604020202020204" pitchFamily="34" charset="0"/>
+              </a:rPr>
+              <a:t> que las </a:t>
+            </a:r>
+            <a:r>
+              <a:rPr lang="en-US" sz="1100" dirty="0" err="1">
+                <a:latin typeface="Arial" panose="020B0604020202020204" pitchFamily="34" charset="0"/>
+                <a:cs typeface="Arial" panose="020B0604020202020204" pitchFamily="34" charset="0"/>
+              </a:rPr>
+              <a:t>curvas</a:t>
+            </a:r>
+            <a:r>
+              <a:rPr lang="en-US" sz="1100" dirty="0">
+                <a:latin typeface="Arial" panose="020B0604020202020204" pitchFamily="34" charset="0"/>
+                <a:cs typeface="Arial" panose="020B0604020202020204" pitchFamily="34" charset="0"/>
+              </a:rPr>
+              <a:t> de los dos </a:t>
+            </a:r>
+            <a:r>
+              <a:rPr lang="en-US" sz="1100" dirty="0" err="1">
+                <a:latin typeface="Arial" panose="020B0604020202020204" pitchFamily="34" charset="0"/>
+                <a:cs typeface="Arial" panose="020B0604020202020204" pitchFamily="34" charset="0"/>
+              </a:rPr>
+              <a:t>primeros</a:t>
+            </a:r>
+            <a:r>
+              <a:rPr lang="en-US" sz="1100" dirty="0">
+                <a:latin typeface="Arial" panose="020B0604020202020204" pitchFamily="34" charset="0"/>
+                <a:cs typeface="Arial" panose="020B0604020202020204" pitchFamily="34" charset="0"/>
+              </a:rPr>
+              <a:t> </a:t>
+            </a:r>
+            <a:r>
+              <a:rPr lang="en-US" sz="1100" dirty="0" err="1">
+                <a:latin typeface="Arial" panose="020B0604020202020204" pitchFamily="34" charset="0"/>
+                <a:cs typeface="Arial" panose="020B0604020202020204" pitchFamily="34" charset="0"/>
+              </a:rPr>
+              <a:t>modos</a:t>
+            </a:r>
+            <a:r>
+              <a:rPr lang="en-US" sz="1100" dirty="0">
+                <a:latin typeface="Arial" panose="020B0604020202020204" pitchFamily="34" charset="0"/>
+                <a:cs typeface="Arial" panose="020B0604020202020204" pitchFamily="34" charset="0"/>
+              </a:rPr>
+              <a:t> van </a:t>
+            </a:r>
+            <a:r>
+              <a:rPr lang="en-US" sz="1100" dirty="0" err="1">
+                <a:latin typeface="Arial" panose="020B0604020202020204" pitchFamily="34" charset="0"/>
+                <a:cs typeface="Arial" panose="020B0604020202020204" pitchFamily="34" charset="0"/>
+              </a:rPr>
+              <a:t>estabilizandose</a:t>
+            </a:r>
+            <a:r>
+              <a:rPr lang="en-US" sz="1100" dirty="0">
+                <a:latin typeface="Arial" panose="020B0604020202020204" pitchFamily="34" charset="0"/>
+                <a:cs typeface="Arial" panose="020B0604020202020204" pitchFamily="34" charset="0"/>
+              </a:rPr>
+              <a:t> a </a:t>
+            </a:r>
+            <a:r>
+              <a:rPr lang="en-US" sz="1100" dirty="0" err="1">
+                <a:latin typeface="Arial" panose="020B0604020202020204" pitchFamily="34" charset="0"/>
+                <a:cs typeface="Arial" panose="020B0604020202020204" pitchFamily="34" charset="0"/>
+              </a:rPr>
+              <a:t>medida</a:t>
+            </a:r>
+            <a:r>
+              <a:rPr lang="en-US" sz="1100" dirty="0">
+                <a:latin typeface="Arial" panose="020B0604020202020204" pitchFamily="34" charset="0"/>
+                <a:cs typeface="Arial" panose="020B0604020202020204" pitchFamily="34" charset="0"/>
+              </a:rPr>
+              <a:t> que </a:t>
+            </a:r>
+            <a:r>
+              <a:rPr lang="en-US" sz="1100" dirty="0" err="1">
+                <a:latin typeface="Arial" panose="020B0604020202020204" pitchFamily="34" charset="0"/>
+                <a:cs typeface="Arial" panose="020B0604020202020204" pitchFamily="34" charset="0"/>
+              </a:rPr>
+              <a:t>aumentamos</a:t>
+            </a:r>
+            <a:r>
+              <a:rPr lang="en-US" sz="1100" dirty="0">
+                <a:latin typeface="Arial" panose="020B0604020202020204" pitchFamily="34" charset="0"/>
+                <a:cs typeface="Arial" panose="020B0604020202020204" pitchFamily="34" charset="0"/>
+              </a:rPr>
+              <a:t> la </a:t>
+            </a:r>
+            <a:r>
+              <a:rPr lang="en-US" sz="1100" dirty="0" err="1">
+                <a:latin typeface="Arial" panose="020B0604020202020204" pitchFamily="34" charset="0"/>
+                <a:cs typeface="Arial" panose="020B0604020202020204" pitchFamily="34" charset="0"/>
+              </a:rPr>
+              <a:t>anchura</a:t>
+            </a:r>
+            <a:r>
+              <a:rPr lang="en-US" sz="1100" dirty="0">
+                <a:latin typeface="Arial" panose="020B0604020202020204" pitchFamily="34" charset="0"/>
+                <a:cs typeface="Arial" panose="020B0604020202020204" pitchFamily="34" charset="0"/>
+              </a:rPr>
+              <a:t>, para </a:t>
+            </a:r>
+            <a:r>
+              <a:rPr lang="en-US" sz="1100" dirty="0" err="1">
+                <a:latin typeface="Arial" panose="020B0604020202020204" pitchFamily="34" charset="0"/>
+                <a:cs typeface="Arial" panose="020B0604020202020204" pitchFamily="34" charset="0"/>
+              </a:rPr>
+              <a:t>acabar</a:t>
+            </a:r>
+            <a:r>
+              <a:rPr lang="en-US" sz="1100" dirty="0">
+                <a:latin typeface="Arial" panose="020B0604020202020204" pitchFamily="34" charset="0"/>
+                <a:cs typeface="Arial" panose="020B0604020202020204" pitchFamily="34" charset="0"/>
+              </a:rPr>
+              <a:t> </a:t>
+            </a:r>
+            <a:r>
+              <a:rPr lang="en-US" sz="1100" dirty="0" err="1">
+                <a:latin typeface="Arial" panose="020B0604020202020204" pitchFamily="34" charset="0"/>
+                <a:cs typeface="Arial" panose="020B0604020202020204" pitchFamily="34" charset="0"/>
+              </a:rPr>
+              <a:t>estos</a:t>
+            </a:r>
+            <a:r>
+              <a:rPr lang="en-US" sz="1100" dirty="0">
+                <a:latin typeface="Arial" panose="020B0604020202020204" pitchFamily="34" charset="0"/>
+                <a:cs typeface="Arial" panose="020B0604020202020204" pitchFamily="34" charset="0"/>
+              </a:rPr>
+              <a:t> </a:t>
+            </a:r>
+            <a:r>
+              <a:rPr lang="en-US" sz="1100" dirty="0" err="1">
+                <a:latin typeface="Arial" panose="020B0604020202020204" pitchFamily="34" charset="0"/>
+                <a:cs typeface="Arial" panose="020B0604020202020204" pitchFamily="34" charset="0"/>
+              </a:rPr>
+              <a:t>totalmente</a:t>
+            </a:r>
+            <a:r>
+              <a:rPr lang="en-US" sz="1100" dirty="0">
+                <a:latin typeface="Arial" panose="020B0604020202020204" pitchFamily="34" charset="0"/>
+                <a:cs typeface="Arial" panose="020B0604020202020204" pitchFamily="34" charset="0"/>
+              </a:rPr>
+              <a:t> </a:t>
+            </a:r>
+            <a:r>
+              <a:rPr lang="en-US" sz="1100" dirty="0" err="1">
+                <a:latin typeface="Arial" panose="020B0604020202020204" pitchFamily="34" charset="0"/>
+                <a:cs typeface="Arial" panose="020B0604020202020204" pitchFamily="34" charset="0"/>
+              </a:rPr>
+              <a:t>confinados</a:t>
+            </a:r>
+            <a:r>
+              <a:rPr lang="en-US" sz="1100" dirty="0">
+                <a:latin typeface="Arial" panose="020B0604020202020204" pitchFamily="34" charset="0"/>
+                <a:cs typeface="Arial" panose="020B0604020202020204" pitchFamily="34" charset="0"/>
+              </a:rPr>
+              <a:t> </a:t>
+            </a:r>
+            <a:r>
+              <a:rPr lang="en-US" sz="1100" dirty="0" err="1">
+                <a:latin typeface="Arial" panose="020B0604020202020204" pitchFamily="34" charset="0"/>
+                <a:cs typeface="Arial" panose="020B0604020202020204" pitchFamily="34" charset="0"/>
+              </a:rPr>
+              <a:t>en</a:t>
+            </a:r>
+            <a:r>
+              <a:rPr lang="en-US" sz="1100" dirty="0">
+                <a:latin typeface="Arial" panose="020B0604020202020204" pitchFamily="34" charset="0"/>
+                <a:cs typeface="Arial" panose="020B0604020202020204" pitchFamily="34" charset="0"/>
+              </a:rPr>
+              <a:t> </a:t>
+            </a:r>
+            <a:r>
+              <a:rPr lang="en-US" sz="1100" dirty="0" err="1">
+                <a:latin typeface="Arial" panose="020B0604020202020204" pitchFamily="34" charset="0"/>
+                <a:cs typeface="Arial" panose="020B0604020202020204" pitchFamily="34" charset="0"/>
+              </a:rPr>
+              <a:t>el</a:t>
+            </a:r>
+            <a:r>
+              <a:rPr lang="en-US" sz="1100" dirty="0">
+                <a:latin typeface="Arial" panose="020B0604020202020204" pitchFamily="34" charset="0"/>
+                <a:cs typeface="Arial" panose="020B0604020202020204" pitchFamily="34" charset="0"/>
+              </a:rPr>
+              <a:t> </a:t>
+            </a:r>
+            <a:r>
+              <a:rPr lang="en-US" sz="1100" dirty="0" err="1">
+                <a:latin typeface="Arial" panose="020B0604020202020204" pitchFamily="34" charset="0"/>
+                <a:cs typeface="Arial" panose="020B0604020202020204" pitchFamily="34" charset="0"/>
+              </a:rPr>
+              <a:t>núcleo</a:t>
+            </a:r>
+            <a:r>
+              <a:rPr lang="en-US" sz="1100" dirty="0">
+                <a:latin typeface="Arial" panose="020B0604020202020204" pitchFamily="34" charset="0"/>
+                <a:cs typeface="Arial" panose="020B0604020202020204" pitchFamily="34" charset="0"/>
+              </a:rPr>
+              <a:t>. Los </a:t>
+            </a:r>
+            <a:r>
+              <a:rPr lang="en-US" sz="1100" dirty="0" err="1">
+                <a:latin typeface="Arial" panose="020B0604020202020204" pitchFamily="34" charset="0"/>
+                <a:cs typeface="Arial" panose="020B0604020202020204" pitchFamily="34" charset="0"/>
+              </a:rPr>
+              <a:t>modos</a:t>
+            </a:r>
+            <a:r>
+              <a:rPr lang="en-US" sz="1100" dirty="0">
+                <a:latin typeface="Arial" panose="020B0604020202020204" pitchFamily="34" charset="0"/>
+                <a:cs typeface="Arial" panose="020B0604020202020204" pitchFamily="34" charset="0"/>
+              </a:rPr>
+              <a:t> 2 y 3 </a:t>
+            </a:r>
+            <a:r>
+              <a:rPr lang="en-US" sz="1100" dirty="0" err="1">
+                <a:latin typeface="Arial" panose="020B0604020202020204" pitchFamily="34" charset="0"/>
+                <a:cs typeface="Arial" panose="020B0604020202020204" pitchFamily="34" charset="0"/>
+              </a:rPr>
+              <a:t>tienen</a:t>
+            </a:r>
+            <a:r>
+              <a:rPr lang="en-US" sz="1100" dirty="0">
+                <a:latin typeface="Arial" panose="020B0604020202020204" pitchFamily="34" charset="0"/>
+                <a:cs typeface="Arial" panose="020B0604020202020204" pitchFamily="34" charset="0"/>
+              </a:rPr>
+              <a:t> al final una </a:t>
+            </a:r>
+            <a:r>
+              <a:rPr lang="en-US" sz="1100" dirty="0" err="1">
+                <a:latin typeface="Arial" panose="020B0604020202020204" pitchFamily="34" charset="0"/>
+                <a:cs typeface="Arial" panose="020B0604020202020204" pitchFamily="34" charset="0"/>
+              </a:rPr>
+              <a:t>curva</a:t>
+            </a:r>
+            <a:r>
+              <a:rPr lang="en-US" sz="1100" dirty="0">
+                <a:latin typeface="Arial" panose="020B0604020202020204" pitchFamily="34" charset="0"/>
+                <a:cs typeface="Arial" panose="020B0604020202020204" pitchFamily="34" charset="0"/>
+              </a:rPr>
+              <a:t> </a:t>
+            </a:r>
+            <a:r>
+              <a:rPr lang="en-US" sz="1100" dirty="0" err="1">
+                <a:latin typeface="Arial" panose="020B0604020202020204" pitchFamily="34" charset="0"/>
+                <a:cs typeface="Arial" panose="020B0604020202020204" pitchFamily="34" charset="0"/>
+              </a:rPr>
+              <a:t>muy</a:t>
+            </a:r>
+            <a:r>
+              <a:rPr lang="en-US" sz="1100" dirty="0">
+                <a:latin typeface="Arial" panose="020B0604020202020204" pitchFamily="34" charset="0"/>
+                <a:cs typeface="Arial" panose="020B0604020202020204" pitchFamily="34" charset="0"/>
+              </a:rPr>
+              <a:t> </a:t>
+            </a:r>
+            <a:r>
+              <a:rPr lang="en-US" sz="1100" dirty="0" err="1">
+                <a:latin typeface="Arial" panose="020B0604020202020204" pitchFamily="34" charset="0"/>
+                <a:cs typeface="Arial" panose="020B0604020202020204" pitchFamily="34" charset="0"/>
+              </a:rPr>
+              <a:t>pronunciada</a:t>
+            </a:r>
+            <a:r>
+              <a:rPr lang="en-US" sz="1100" dirty="0">
+                <a:latin typeface="Arial" panose="020B0604020202020204" pitchFamily="34" charset="0"/>
+                <a:cs typeface="Arial" panose="020B0604020202020204" pitchFamily="34" charset="0"/>
+              </a:rPr>
+              <a:t> </a:t>
+            </a:r>
+            <a:r>
+              <a:rPr lang="en-US" sz="1100" dirty="0" err="1">
+                <a:latin typeface="Arial" panose="020B0604020202020204" pitchFamily="34" charset="0"/>
+                <a:cs typeface="Arial" panose="020B0604020202020204" pitchFamily="34" charset="0"/>
+              </a:rPr>
+              <a:t>pues</a:t>
+            </a:r>
+            <a:r>
+              <a:rPr lang="en-US" sz="1100" dirty="0">
+                <a:latin typeface="Arial" panose="020B0604020202020204" pitchFamily="34" charset="0"/>
+                <a:cs typeface="Arial" panose="020B0604020202020204" pitchFamily="34" charset="0"/>
+              </a:rPr>
+              <a:t> </a:t>
+            </a:r>
+            <a:r>
+              <a:rPr lang="en-US" sz="1100" dirty="0" err="1">
+                <a:latin typeface="Arial" panose="020B0604020202020204" pitchFamily="34" charset="0"/>
+                <a:cs typeface="Arial" panose="020B0604020202020204" pitchFamily="34" charset="0"/>
+              </a:rPr>
+              <a:t>están</a:t>
+            </a:r>
+            <a:r>
+              <a:rPr lang="en-US" sz="1100" dirty="0">
+                <a:latin typeface="Arial" panose="020B0604020202020204" pitchFamily="34" charset="0"/>
+                <a:cs typeface="Arial" panose="020B0604020202020204" pitchFamily="34" charset="0"/>
+              </a:rPr>
+              <a:t> “</a:t>
+            </a:r>
+            <a:r>
+              <a:rPr lang="en-US" sz="1100" dirty="0" err="1">
+                <a:latin typeface="Arial" panose="020B0604020202020204" pitchFamily="34" charset="0"/>
+                <a:cs typeface="Arial" panose="020B0604020202020204" pitchFamily="34" charset="0"/>
+              </a:rPr>
+              <a:t>ganando</a:t>
+            </a:r>
+            <a:r>
+              <a:rPr lang="en-US" sz="1100" dirty="0">
+                <a:latin typeface="Arial" panose="020B0604020202020204" pitchFamily="34" charset="0"/>
+                <a:cs typeface="Arial" panose="020B0604020202020204" pitchFamily="34" charset="0"/>
+              </a:rPr>
+              <a:t> </a:t>
+            </a:r>
+            <a:r>
+              <a:rPr lang="en-US" sz="1100" dirty="0" err="1">
+                <a:latin typeface="Arial" panose="020B0604020202020204" pitchFamily="34" charset="0"/>
+                <a:cs typeface="Arial" panose="020B0604020202020204" pitchFamily="34" charset="0"/>
+              </a:rPr>
+              <a:t>confinamiento</a:t>
+            </a:r>
+            <a:r>
+              <a:rPr lang="en-US" sz="1100" dirty="0">
+                <a:latin typeface="Arial" panose="020B0604020202020204" pitchFamily="34" charset="0"/>
+                <a:cs typeface="Arial" panose="020B0604020202020204" pitchFamily="34" charset="0"/>
+              </a:rPr>
+              <a:t>” para </a:t>
+            </a:r>
+            <a:r>
+              <a:rPr lang="en-US" sz="1100" dirty="0" err="1">
+                <a:latin typeface="Arial" panose="020B0604020202020204" pitchFamily="34" charset="0"/>
+                <a:cs typeface="Arial" panose="020B0604020202020204" pitchFamily="34" charset="0"/>
+              </a:rPr>
+              <a:t>posteriormente</a:t>
+            </a:r>
+            <a:r>
+              <a:rPr lang="en-US" sz="1100" dirty="0">
+                <a:latin typeface="Arial" panose="020B0604020202020204" pitchFamily="34" charset="0"/>
+                <a:cs typeface="Arial" panose="020B0604020202020204" pitchFamily="34" charset="0"/>
+              </a:rPr>
+              <a:t> </a:t>
+            </a:r>
+            <a:r>
+              <a:rPr lang="en-US" sz="1100" dirty="0" err="1">
+                <a:latin typeface="Arial" panose="020B0604020202020204" pitchFamily="34" charset="0"/>
+                <a:cs typeface="Arial" panose="020B0604020202020204" pitchFamily="34" charset="0"/>
+              </a:rPr>
+              <a:t>estabilizarse</a:t>
+            </a:r>
+            <a:r>
+              <a:rPr lang="en-US" sz="1100" dirty="0">
+                <a:latin typeface="Arial" panose="020B0604020202020204" pitchFamily="34" charset="0"/>
+                <a:cs typeface="Arial" panose="020B0604020202020204" pitchFamily="34" charset="0"/>
+              </a:rPr>
+              <a:t>. </a:t>
+            </a:r>
+          </a:p>
+          <a:p>
+            <a:pPr algn="just"/>
+            <a:endParaRPr lang="en-US" sz="1100" dirty="0">
               <a:latin typeface="Arial" panose="020B0604020202020204" pitchFamily="34" charset="0"/>
               <a:cs typeface="Arial" panose="020B0604020202020204" pitchFamily="34" charset="0"/>
             </a:endParaRPr>
           </a:p>
           <a:p>
             <a:pPr algn="just"/>
-            <a:endParaRPr lang="en-US" sz="1200" dirty="0">
-              <a:latin typeface="Arial" panose="020B0604020202020204" pitchFamily="34" charset="0"/>
-              <a:cs typeface="Arial" panose="020B0604020202020204" pitchFamily="34" charset="0"/>
-            </a:endParaRPr>
-          </a:p>
-          <a:p>
-            <a:pPr algn="just"/>
-            <a:endParaRPr lang="en-US" sz="1200" dirty="0">
-              <a:latin typeface="Arial" panose="020B0604020202020204" pitchFamily="34" charset="0"/>
-              <a:cs typeface="Arial" panose="020B0604020202020204" pitchFamily="34" charset="0"/>
-            </a:endParaRPr>
+            <a:r>
+              <a:rPr lang="en-US" sz="1100" dirty="0" err="1">
+                <a:latin typeface="Arial" panose="020B0604020202020204" pitchFamily="34" charset="0"/>
+                <a:cs typeface="Arial" panose="020B0604020202020204" pitchFamily="34" charset="0"/>
+              </a:rPr>
+              <a:t>En</a:t>
+            </a:r>
+            <a:r>
+              <a:rPr lang="en-US" sz="1100" dirty="0">
+                <a:latin typeface="Arial" panose="020B0604020202020204" pitchFamily="34" charset="0"/>
+                <a:cs typeface="Arial" panose="020B0604020202020204" pitchFamily="34" charset="0"/>
+              </a:rPr>
+              <a:t> la </a:t>
+            </a:r>
+            <a:r>
+              <a:rPr lang="en-US" sz="1100" dirty="0" err="1">
+                <a:latin typeface="Arial" panose="020B0604020202020204" pitchFamily="34" charset="0"/>
+                <a:cs typeface="Arial" panose="020B0604020202020204" pitchFamily="34" charset="0"/>
+              </a:rPr>
+              <a:t>segunda</a:t>
+            </a:r>
+            <a:r>
+              <a:rPr lang="en-US" sz="1100" dirty="0">
+                <a:latin typeface="Arial" panose="020B0604020202020204" pitchFamily="34" charset="0"/>
+                <a:cs typeface="Arial" panose="020B0604020202020204" pitchFamily="34" charset="0"/>
+              </a:rPr>
+              <a:t> </a:t>
+            </a:r>
+            <a:r>
+              <a:rPr lang="en-US" sz="1100" dirty="0" err="1">
+                <a:latin typeface="Arial" panose="020B0604020202020204" pitchFamily="34" charset="0"/>
+                <a:cs typeface="Arial" panose="020B0604020202020204" pitchFamily="34" charset="0"/>
+              </a:rPr>
+              <a:t>gráfica</a:t>
+            </a:r>
+            <a:r>
+              <a:rPr lang="en-US" sz="1100" dirty="0">
+                <a:latin typeface="Arial" panose="020B0604020202020204" pitchFamily="34" charset="0"/>
+                <a:cs typeface="Arial" panose="020B0604020202020204" pitchFamily="34" charset="0"/>
+              </a:rPr>
+              <a:t> </a:t>
+            </a:r>
+            <a:r>
+              <a:rPr lang="en-US" sz="1100" dirty="0" err="1">
+                <a:latin typeface="Arial" panose="020B0604020202020204" pitchFamily="34" charset="0"/>
+                <a:cs typeface="Arial" panose="020B0604020202020204" pitchFamily="34" charset="0"/>
+              </a:rPr>
+              <a:t>hemos</a:t>
+            </a:r>
+            <a:r>
+              <a:rPr lang="en-US" sz="1100" dirty="0">
+                <a:latin typeface="Arial" panose="020B0604020202020204" pitchFamily="34" charset="0"/>
+                <a:cs typeface="Arial" panose="020B0604020202020204" pitchFamily="34" charset="0"/>
+              </a:rPr>
+              <a:t> </a:t>
+            </a:r>
+            <a:r>
+              <a:rPr lang="en-US" sz="1100" dirty="0" err="1">
+                <a:latin typeface="Arial" panose="020B0604020202020204" pitchFamily="34" charset="0"/>
+                <a:cs typeface="Arial" panose="020B0604020202020204" pitchFamily="34" charset="0"/>
+              </a:rPr>
+              <a:t>aumentado</a:t>
+            </a:r>
+            <a:r>
+              <a:rPr lang="en-US" sz="1100" dirty="0">
+                <a:latin typeface="Arial" panose="020B0604020202020204" pitchFamily="34" charset="0"/>
+                <a:cs typeface="Arial" panose="020B0604020202020204" pitchFamily="34" charset="0"/>
+              </a:rPr>
+              <a:t> </a:t>
+            </a:r>
+            <a:r>
+              <a:rPr lang="en-US" sz="1100" dirty="0" err="1">
+                <a:latin typeface="Arial" panose="020B0604020202020204" pitchFamily="34" charset="0"/>
+                <a:cs typeface="Arial" panose="020B0604020202020204" pitchFamily="34" charset="0"/>
+              </a:rPr>
+              <a:t>el</a:t>
+            </a:r>
+            <a:r>
+              <a:rPr lang="en-US" sz="1100" dirty="0">
+                <a:latin typeface="Arial" panose="020B0604020202020204" pitchFamily="34" charset="0"/>
+                <a:cs typeface="Arial" panose="020B0604020202020204" pitchFamily="34" charset="0"/>
+              </a:rPr>
+              <a:t> </a:t>
+            </a:r>
+            <a:r>
+              <a:rPr lang="en-US" sz="1100" dirty="0" err="1">
+                <a:latin typeface="Arial" panose="020B0604020202020204" pitchFamily="34" charset="0"/>
+                <a:cs typeface="Arial" panose="020B0604020202020204" pitchFamily="34" charset="0"/>
+              </a:rPr>
+              <a:t>rango</a:t>
+            </a:r>
+            <a:r>
+              <a:rPr lang="en-US" sz="1100" dirty="0">
+                <a:latin typeface="Arial" panose="020B0604020202020204" pitchFamily="34" charset="0"/>
+                <a:cs typeface="Arial" panose="020B0604020202020204" pitchFamily="34" charset="0"/>
+              </a:rPr>
+              <a:t> de </a:t>
+            </a:r>
+            <a:r>
+              <a:rPr lang="en-US" sz="1100" dirty="0" err="1">
+                <a:latin typeface="Arial" panose="020B0604020202020204" pitchFamily="34" charset="0"/>
+                <a:cs typeface="Arial" panose="020B0604020202020204" pitchFamily="34" charset="0"/>
+              </a:rPr>
+              <a:t>valores</a:t>
+            </a:r>
+            <a:r>
+              <a:rPr lang="en-US" sz="1100" dirty="0">
+                <a:latin typeface="Arial" panose="020B0604020202020204" pitchFamily="34" charset="0"/>
+                <a:cs typeface="Arial" panose="020B0604020202020204" pitchFamily="34" charset="0"/>
+              </a:rPr>
+              <a:t> de </a:t>
+            </a:r>
+            <a:r>
+              <a:rPr lang="en-US" sz="1100" dirty="0" err="1">
+                <a:latin typeface="Arial" panose="020B0604020202020204" pitchFamily="34" charset="0"/>
+                <a:cs typeface="Arial" panose="020B0604020202020204" pitchFamily="34" charset="0"/>
+              </a:rPr>
+              <a:t>anchura</a:t>
+            </a:r>
+            <a:r>
+              <a:rPr lang="en-US" sz="1100" dirty="0">
+                <a:latin typeface="Arial" panose="020B0604020202020204" pitchFamily="34" charset="0"/>
+                <a:cs typeface="Arial" panose="020B0604020202020204" pitchFamily="34" charset="0"/>
+              </a:rPr>
+              <a:t> para observer </a:t>
+            </a:r>
+            <a:r>
+              <a:rPr lang="en-US" sz="1100" dirty="0" err="1">
+                <a:latin typeface="Arial" panose="020B0604020202020204" pitchFamily="34" charset="0"/>
+                <a:cs typeface="Arial" panose="020B0604020202020204" pitchFamily="34" charset="0"/>
+              </a:rPr>
+              <a:t>como</a:t>
+            </a:r>
+            <a:r>
+              <a:rPr lang="en-US" sz="1100" dirty="0">
+                <a:latin typeface="Arial" panose="020B0604020202020204" pitchFamily="34" charset="0"/>
+                <a:cs typeface="Arial" panose="020B0604020202020204" pitchFamily="34" charset="0"/>
+              </a:rPr>
+              <a:t> se </a:t>
+            </a:r>
+            <a:r>
+              <a:rPr lang="en-US" sz="1100" dirty="0" err="1">
+                <a:latin typeface="Arial" panose="020B0604020202020204" pitchFamily="34" charset="0"/>
+                <a:cs typeface="Arial" panose="020B0604020202020204" pitchFamily="34" charset="0"/>
+              </a:rPr>
+              <a:t>comporta</a:t>
+            </a:r>
+            <a:r>
+              <a:rPr lang="en-US" sz="1100" dirty="0">
+                <a:latin typeface="Arial" panose="020B0604020202020204" pitchFamily="34" charset="0"/>
+                <a:cs typeface="Arial" panose="020B0604020202020204" pitchFamily="34" charset="0"/>
+              </a:rPr>
+              <a:t> </a:t>
+            </a:r>
+            <a:r>
+              <a:rPr lang="en-US" sz="1100" dirty="0" err="1">
+                <a:latin typeface="Arial" panose="020B0604020202020204" pitchFamily="34" charset="0"/>
+                <a:cs typeface="Arial" panose="020B0604020202020204" pitchFamily="34" charset="0"/>
+              </a:rPr>
+              <a:t>el</a:t>
+            </a:r>
+            <a:r>
+              <a:rPr lang="en-US" sz="1100" dirty="0">
+                <a:latin typeface="Arial" panose="020B0604020202020204" pitchFamily="34" charset="0"/>
+                <a:cs typeface="Arial" panose="020B0604020202020204" pitchFamily="34" charset="0"/>
+              </a:rPr>
+              <a:t> modo TE1. </a:t>
+            </a:r>
+            <a:r>
+              <a:rPr lang="en-US" sz="1100" dirty="0" err="1">
+                <a:latin typeface="Arial" panose="020B0604020202020204" pitchFamily="34" charset="0"/>
+                <a:cs typeface="Arial" panose="020B0604020202020204" pitchFamily="34" charset="0"/>
+              </a:rPr>
+              <a:t>Vemos</a:t>
+            </a:r>
+            <a:r>
+              <a:rPr lang="en-US" sz="1100" dirty="0">
+                <a:latin typeface="Arial" panose="020B0604020202020204" pitchFamily="34" charset="0"/>
+                <a:cs typeface="Arial" panose="020B0604020202020204" pitchFamily="34" charset="0"/>
+              </a:rPr>
+              <a:t> que </a:t>
+            </a:r>
+            <a:r>
+              <a:rPr lang="en-US" sz="1100" dirty="0" err="1">
+                <a:latin typeface="Arial" panose="020B0604020202020204" pitchFamily="34" charset="0"/>
+                <a:cs typeface="Arial" panose="020B0604020202020204" pitchFamily="34" charset="0"/>
+              </a:rPr>
+              <a:t>llega</a:t>
+            </a:r>
+            <a:r>
+              <a:rPr lang="en-US" sz="1100" dirty="0">
+                <a:latin typeface="Arial" panose="020B0604020202020204" pitchFamily="34" charset="0"/>
+                <a:cs typeface="Arial" panose="020B0604020202020204" pitchFamily="34" charset="0"/>
+              </a:rPr>
+              <a:t> a </a:t>
+            </a:r>
+            <a:r>
+              <a:rPr lang="en-US" sz="1100" dirty="0" err="1">
+                <a:latin typeface="Arial" panose="020B0604020202020204" pitchFamily="34" charset="0"/>
+                <a:cs typeface="Arial" panose="020B0604020202020204" pitchFamily="34" charset="0"/>
+              </a:rPr>
+              <a:t>adelantar</a:t>
+            </a:r>
+            <a:r>
+              <a:rPr lang="en-US" sz="1100" dirty="0">
+                <a:latin typeface="Arial" panose="020B0604020202020204" pitchFamily="34" charset="0"/>
+                <a:cs typeface="Arial" panose="020B0604020202020204" pitchFamily="34" charset="0"/>
+              </a:rPr>
+              <a:t> al </a:t>
+            </a:r>
+            <a:r>
+              <a:rPr lang="en-US" sz="1100" dirty="0" err="1">
+                <a:latin typeface="Arial" panose="020B0604020202020204" pitchFamily="34" charset="0"/>
+                <a:cs typeface="Arial" panose="020B0604020202020204" pitchFamily="34" charset="0"/>
+              </a:rPr>
+              <a:t>magnético</a:t>
+            </a:r>
+            <a:r>
+              <a:rPr lang="en-US" sz="1100" dirty="0">
+                <a:latin typeface="Arial" panose="020B0604020202020204" pitchFamily="34" charset="0"/>
+                <a:cs typeface="Arial" panose="020B0604020202020204" pitchFamily="34" charset="0"/>
+              </a:rPr>
+              <a:t>, lo que </a:t>
+            </a:r>
+            <a:r>
+              <a:rPr lang="en-US" sz="1100" dirty="0" err="1">
+                <a:latin typeface="Arial" panose="020B0604020202020204" pitchFamily="34" charset="0"/>
+                <a:cs typeface="Arial" panose="020B0604020202020204" pitchFamily="34" charset="0"/>
+              </a:rPr>
+              <a:t>significa</a:t>
+            </a:r>
+            <a:r>
+              <a:rPr lang="en-US" sz="1100" dirty="0">
+                <a:latin typeface="Arial" panose="020B0604020202020204" pitchFamily="34" charset="0"/>
+                <a:cs typeface="Arial" panose="020B0604020202020204" pitchFamily="34" charset="0"/>
+              </a:rPr>
+              <a:t> que los </a:t>
+            </a:r>
+            <a:r>
+              <a:rPr lang="en-US" sz="1100" dirty="0" err="1">
+                <a:latin typeface="Arial" panose="020B0604020202020204" pitchFamily="34" charset="0"/>
+                <a:cs typeface="Arial" panose="020B0604020202020204" pitchFamily="34" charset="0"/>
+              </a:rPr>
+              <a:t>modos</a:t>
+            </a:r>
+            <a:r>
+              <a:rPr lang="en-US" sz="1100" dirty="0">
+                <a:latin typeface="Arial" panose="020B0604020202020204" pitchFamily="34" charset="0"/>
+                <a:cs typeface="Arial" panose="020B0604020202020204" pitchFamily="34" charset="0"/>
+              </a:rPr>
+              <a:t> </a:t>
+            </a:r>
+            <a:r>
+              <a:rPr lang="en-US" sz="1100" dirty="0" err="1">
+                <a:latin typeface="Arial" panose="020B0604020202020204" pitchFamily="34" charset="0"/>
+                <a:cs typeface="Arial" panose="020B0604020202020204" pitchFamily="34" charset="0"/>
+              </a:rPr>
+              <a:t>eléctricos</a:t>
+            </a:r>
+            <a:r>
+              <a:rPr lang="en-US" sz="1100" dirty="0">
+                <a:latin typeface="Arial" panose="020B0604020202020204" pitchFamily="34" charset="0"/>
+                <a:cs typeface="Arial" panose="020B0604020202020204" pitchFamily="34" charset="0"/>
+              </a:rPr>
+              <a:t> </a:t>
+            </a:r>
+            <a:r>
+              <a:rPr lang="en-US" sz="1100" dirty="0" err="1">
+                <a:latin typeface="Arial" panose="020B0604020202020204" pitchFamily="34" charset="0"/>
+                <a:cs typeface="Arial" panose="020B0604020202020204" pitchFamily="34" charset="0"/>
+              </a:rPr>
+              <a:t>tienden</a:t>
+            </a:r>
+            <a:r>
+              <a:rPr lang="en-US" sz="1100" dirty="0">
+                <a:latin typeface="Arial" panose="020B0604020202020204" pitchFamily="34" charset="0"/>
+                <a:cs typeface="Arial" panose="020B0604020202020204" pitchFamily="34" charset="0"/>
+              </a:rPr>
+              <a:t> a </a:t>
+            </a:r>
+            <a:r>
+              <a:rPr lang="en-US" sz="1100" dirty="0" err="1">
+                <a:latin typeface="Arial" panose="020B0604020202020204" pitchFamily="34" charset="0"/>
+                <a:cs typeface="Arial" panose="020B0604020202020204" pitchFamily="34" charset="0"/>
+              </a:rPr>
+              <a:t>tener</a:t>
+            </a:r>
+            <a:r>
+              <a:rPr lang="en-US" sz="1100" dirty="0">
+                <a:latin typeface="Arial" panose="020B0604020202020204" pitchFamily="34" charset="0"/>
+                <a:cs typeface="Arial" panose="020B0604020202020204" pitchFamily="34" charset="0"/>
+              </a:rPr>
+              <a:t> un mayor </a:t>
+            </a:r>
+            <a:r>
+              <a:rPr lang="en-US" sz="1100" dirty="0" err="1">
+                <a:latin typeface="Arial" panose="020B0604020202020204" pitchFamily="34" charset="0"/>
+                <a:cs typeface="Arial" panose="020B0604020202020204" pitchFamily="34" charset="0"/>
+              </a:rPr>
+              <a:t>confinamiento</a:t>
+            </a:r>
+            <a:r>
+              <a:rPr lang="en-US" sz="1100" dirty="0">
+                <a:latin typeface="Arial" panose="020B0604020202020204" pitchFamily="34" charset="0"/>
+                <a:cs typeface="Arial" panose="020B0604020202020204" pitchFamily="34" charset="0"/>
+              </a:rPr>
+              <a:t> </a:t>
+            </a:r>
+            <a:r>
+              <a:rPr lang="en-US" sz="1100" dirty="0" err="1">
+                <a:latin typeface="Arial" panose="020B0604020202020204" pitchFamily="34" charset="0"/>
+                <a:cs typeface="Arial" panose="020B0604020202020204" pitchFamily="34" charset="0"/>
+              </a:rPr>
+              <a:t>respecto</a:t>
+            </a:r>
+            <a:r>
+              <a:rPr lang="en-US" sz="1100" dirty="0">
+                <a:latin typeface="Arial" panose="020B0604020202020204" pitchFamily="34" charset="0"/>
+                <a:cs typeface="Arial" panose="020B0604020202020204" pitchFamily="34" charset="0"/>
+              </a:rPr>
+              <a:t> a los </a:t>
+            </a:r>
+            <a:r>
+              <a:rPr lang="en-US" sz="1100" dirty="0" err="1">
+                <a:latin typeface="Arial" panose="020B0604020202020204" pitchFamily="34" charset="0"/>
+                <a:cs typeface="Arial" panose="020B0604020202020204" pitchFamily="34" charset="0"/>
+              </a:rPr>
+              <a:t>magnéticos</a:t>
+            </a:r>
+            <a:r>
+              <a:rPr lang="en-US" sz="1100" dirty="0">
+                <a:latin typeface="Arial" panose="020B0604020202020204" pitchFamily="34" charset="0"/>
+                <a:cs typeface="Arial" panose="020B0604020202020204" pitchFamily="34" charset="0"/>
+              </a:rPr>
+              <a:t>.</a:t>
+            </a:r>
           </a:p>
           <a:p>
             <a:pPr algn="just"/>
@@ -5584,7 +7834,7 @@
         <p:spPr>
           <a:xfrm>
             <a:off x="609441" y="1418373"/>
-            <a:ext cx="11199971" cy="3306028"/>
+            <a:ext cx="11199971" cy="2772627"/>
           </a:xfrm>
           <a:prstGeom prst="rect">
             <a:avLst/>
@@ -5635,7 +7885,7 @@
         </p:nvSpPr>
         <p:spPr>
           <a:xfrm>
-            <a:off x="2286000" y="2671278"/>
+            <a:off x="6629400" y="1600464"/>
             <a:ext cx="7718580" cy="923330"/>
           </a:xfrm>
           <a:prstGeom prst="rect">
@@ -5672,6 +7922,66 @@
           </a:p>
         </p:txBody>
       </p:sp>
+      <p:pic>
+        <p:nvPicPr>
+          <p:cNvPr id="5" name="Imagen 4">
+            <a:extLst>
+              <a:ext uri="{FF2B5EF4-FFF2-40B4-BE49-F238E27FC236}">
+                <a16:creationId xmlns:a16="http://schemas.microsoft.com/office/drawing/2014/main" id="{56A400F8-E725-44B2-9AA3-74AF708EC773}"/>
+              </a:ext>
+            </a:extLst>
+          </p:cNvPr>
+          <p:cNvPicPr>
+            <a:picLocks noChangeAspect="1"/>
+          </p:cNvPicPr>
+          <p:nvPr/>
+        </p:nvPicPr>
+        <p:blipFill>
+          <a:blip r:embed="rId5"/>
+          <a:stretch>
+            <a:fillRect/>
+          </a:stretch>
+        </p:blipFill>
+        <p:spPr>
+          <a:xfrm>
+            <a:off x="1340814" y="1570894"/>
+            <a:ext cx="4023971" cy="2342526"/>
+          </a:xfrm>
+          <a:prstGeom prst="rect">
+            <a:avLst/>
+          </a:prstGeom>
+        </p:spPr>
+      </p:pic>
+      <p:pic>
+        <p:nvPicPr>
+          <p:cNvPr id="6" name="Imagen 5">
+            <a:extLst>
+              <a:ext uri="{FF2B5EF4-FFF2-40B4-BE49-F238E27FC236}">
+                <a16:creationId xmlns:a16="http://schemas.microsoft.com/office/drawing/2014/main" id="{FC927B3B-C818-4F37-9341-9DA3365281E8}"/>
+              </a:ext>
+            </a:extLst>
+          </p:cNvPr>
+          <p:cNvPicPr>
+            <a:picLocks noChangeAspect="1"/>
+          </p:cNvPicPr>
+          <p:nvPr/>
+        </p:nvPicPr>
+        <p:blipFill>
+          <a:blip r:embed="rId6"/>
+          <a:stretch>
+            <a:fillRect/>
+          </a:stretch>
+        </p:blipFill>
+        <p:spPr>
+          <a:xfrm>
+            <a:off x="5791200" y="1599809"/>
+            <a:ext cx="3648001" cy="2123658"/>
+          </a:xfrm>
+          <a:prstGeom prst="rect">
+            <a:avLst/>
+          </a:prstGeom>
+        </p:spPr>
+      </p:pic>
     </p:spTree>
     <p:extLst>
       <p:ext uri="{BB962C8B-B14F-4D97-AF65-F5344CB8AC3E}">
@@ -5708,8 +8018,8 @@
           <a:chExt cx="0" cy="0"/>
         </a:xfrm>
       </p:grpSpPr>
-      <mc:AlternateContent xmlns:mc="http://schemas.openxmlformats.org/markup-compatibility/2006">
-        <mc:Choice xmlns:a14="http://schemas.microsoft.com/office/drawing/2010/main" Requires="a14">
+      <mc:AlternateContent xmlns:mc="http://schemas.openxmlformats.org/markup-compatibility/2006" xmlns:a14="http://schemas.microsoft.com/office/drawing/2010/main">
+        <mc:Choice Requires="a14">
           <p:sp>
             <p:nvSpPr>
               <p:cNvPr id="16" name="object 16">
@@ -6036,7 +8346,7 @@
             </p:txBody>
           </p:sp>
         </mc:Choice>
-        <mc:Fallback>
+        <mc:Fallback xmlns="">
           <p:sp>
             <p:nvSpPr>
               <p:cNvPr id="16" name="object 16">
@@ -7361,7 +9671,7 @@
         <p:spPr>
           <a:xfrm>
             <a:off x="609441" y="4860334"/>
-            <a:ext cx="11199971" cy="1200329"/>
+            <a:ext cx="11199971" cy="1569660"/>
           </a:xfrm>
           <a:prstGeom prst="rect">
             <a:avLst/>
@@ -7391,6 +9701,20 @@
               </a:rPr>
               <a:t>Comment results, which is the safe radius, consider safe means less than 0.1 dB/90º.</a:t>
             </a:r>
+          </a:p>
+          <a:p>
+            <a:pPr algn="just"/>
+            <a:endParaRPr lang="en-US" sz="1200" dirty="0">
+              <a:latin typeface="Arial" panose="020B0604020202020204" pitchFamily="34" charset="0"/>
+              <a:cs typeface="Arial" panose="020B0604020202020204" pitchFamily="34" charset="0"/>
+            </a:endParaRPr>
+          </a:p>
+          <a:p>
+            <a:pPr algn="just"/>
+            <a:endParaRPr lang="en-US" sz="1200" dirty="0">
+              <a:latin typeface="Arial" panose="020B0604020202020204" pitchFamily="34" charset="0"/>
+              <a:cs typeface="Arial" panose="020B0604020202020204" pitchFamily="34" charset="0"/>
+            </a:endParaRPr>
           </a:p>
           <a:p>
             <a:pPr algn="just"/>
@@ -7728,8 +10052,8 @@
         </p:nvSpPr>
         <p:spPr>
           <a:xfrm>
-            <a:off x="2978141" y="2784355"/>
-            <a:ext cx="6235717" cy="923330"/>
+            <a:off x="7384749" y="1454159"/>
+            <a:ext cx="4787917" cy="923330"/>
           </a:xfrm>
           <a:prstGeom prst="rect">
             <a:avLst/>
@@ -7765,6 +10089,36 @@
           </a:p>
         </p:txBody>
       </p:sp>
+      <p:pic>
+        <p:nvPicPr>
+          <p:cNvPr id="5" name="Imagen 4">
+            <a:extLst>
+              <a:ext uri="{FF2B5EF4-FFF2-40B4-BE49-F238E27FC236}">
+                <a16:creationId xmlns:a16="http://schemas.microsoft.com/office/drawing/2014/main" id="{8F0FC54B-C373-4C33-8B01-4EC55B8AF274}"/>
+              </a:ext>
+            </a:extLst>
+          </p:cNvPr>
+          <p:cNvPicPr>
+            <a:picLocks noChangeAspect="1"/>
+          </p:cNvPicPr>
+          <p:nvPr/>
+        </p:nvPicPr>
+        <p:blipFill>
+          <a:blip r:embed="rId6"/>
+          <a:stretch>
+            <a:fillRect/>
+          </a:stretch>
+        </p:blipFill>
+        <p:spPr>
+          <a:xfrm>
+            <a:off x="3386650" y="1498925"/>
+            <a:ext cx="3956043" cy="3124999"/>
+          </a:xfrm>
+          <a:prstGeom prst="rect">
+            <a:avLst/>
+          </a:prstGeom>
+        </p:spPr>
+      </p:pic>
     </p:spTree>
     <p:extLst>
       <p:ext uri="{BB962C8B-B14F-4D97-AF65-F5344CB8AC3E}">
